--- a/docs/courses/epss298_MHD_turbulence/pre.pptx
+++ b/docs/courses/epss298_MHD_turbulence/pre.pptx
@@ -4,6 +4,9 @@
   <p:sldMasterIdLst>
     <p:sldMasterId id="2147483648" r:id="rId1"/>
   </p:sldMasterIdLst>
+  <p:notesMasterIdLst>
+    <p:notesMasterId r:id="rId15"/>
+  </p:notesMasterIdLst>
   <p:sldIdLst>
     <p:sldId id="256" r:id="rId2"/>
     <p:sldId id="257" r:id="rId3"/>
@@ -15,6 +18,9 @@
     <p:sldId id="263" r:id="rId9"/>
     <p:sldId id="264" r:id="rId10"/>
     <p:sldId id="265" r:id="rId11"/>
+    <p:sldId id="266" r:id="rId12"/>
+    <p:sldId id="267" r:id="rId13"/>
+    <p:sldId id="268" r:id="rId14"/>
   </p:sldIdLst>
   <p:sldSz cx="9144000" cy="5143500" type="screen16x9"/>
   <p:notesSz cx="6858000" cy="9144000"/>
@@ -130,6 +136,437 @@
     </p:ext>
   </p:extLst>
 </p:presentation>
+</file>
+
+<file path=ppt/notesMasters/notesMaster1.xml><?xml version="1.0" encoding="utf-8"?>
+<p:notesMaster xmlns:a="http://schemas.openxmlformats.org/drawingml/2006/main" xmlns:r="http://schemas.openxmlformats.org/officeDocument/2006/relationships" xmlns:p="http://schemas.openxmlformats.org/presentationml/2006/main">
+  <p:cSld>
+    <p:bg>
+      <p:bgRef idx="1001">
+        <a:schemeClr val="bg1"/>
+      </p:bgRef>
+    </p:bg>
+    <p:spTree>
+      <p:nvGrpSpPr>
+        <p:cNvPr id="1" name=""/>
+        <p:cNvGrpSpPr/>
+        <p:nvPr/>
+      </p:nvGrpSpPr>
+      <p:grpSpPr>
+        <a:xfrm>
+          <a:off x="0" y="0"/>
+          <a:ext cx="0" cy="0"/>
+          <a:chOff x="0" y="0"/>
+          <a:chExt cx="0" cy="0"/>
+        </a:xfrm>
+      </p:grpSpPr>
+      <p:sp>
+        <p:nvSpPr>
+          <p:cNvPr id="2" name="Header Placeholder 1"/>
+          <p:cNvSpPr>
+            <a:spLocks noGrp="1"/>
+          </p:cNvSpPr>
+          <p:nvPr>
+            <p:ph type="hdr" sz="quarter"/>
+          </p:nvPr>
+        </p:nvSpPr>
+        <p:spPr>
+          <a:xfrm>
+            <a:off x="0" y="0"/>
+            <a:ext cx="2971800" cy="458788"/>
+          </a:xfrm>
+          <a:prstGeom prst="rect">
+            <a:avLst/>
+          </a:prstGeom>
+        </p:spPr>
+        <p:txBody>
+          <a:bodyPr vert="horz" lIns="91440" tIns="45720" rIns="91440" bIns="45720" rtlCol="0"/>
+          <a:lstStyle>
+            <a:lvl1pPr algn="l">
+              <a:defRPr sz="1200"/>
+            </a:lvl1pPr>
+          </a:lstStyle>
+          <a:p>
+            <a:endParaRPr lang="en-US"/>
+          </a:p>
+        </p:txBody>
+      </p:sp>
+      <p:sp>
+        <p:nvSpPr>
+          <p:cNvPr id="3" name="Date Placeholder 2"/>
+          <p:cNvSpPr>
+            <a:spLocks noGrp="1"/>
+          </p:cNvSpPr>
+          <p:nvPr>
+            <p:ph type="dt" idx="1"/>
+          </p:nvPr>
+        </p:nvSpPr>
+        <p:spPr>
+          <a:xfrm>
+            <a:off x="3884613" y="0"/>
+            <a:ext cx="2971800" cy="458788"/>
+          </a:xfrm>
+          <a:prstGeom prst="rect">
+            <a:avLst/>
+          </a:prstGeom>
+        </p:spPr>
+        <p:txBody>
+          <a:bodyPr vert="horz" lIns="91440" tIns="45720" rIns="91440" bIns="45720" rtlCol="0"/>
+          <a:lstStyle>
+            <a:lvl1pPr algn="r">
+              <a:defRPr sz="1200"/>
+            </a:lvl1pPr>
+          </a:lstStyle>
+          <a:p>
+            <a:fld id="{0F9C1CCF-B725-44A7-AA57-5E433BD85C9F}" type="datetimeFigureOut">
+              <a:rPr lang="en-US" smtClean="0"/>
+              <a:t>1/2/22</a:t>
+            </a:fld>
+            <a:endParaRPr lang="en-US"/>
+          </a:p>
+        </p:txBody>
+      </p:sp>
+      <p:sp>
+        <p:nvSpPr>
+          <p:cNvPr id="4" name="Slide Image Placeholder 3"/>
+          <p:cNvSpPr>
+            <a:spLocks noGrp="1" noRot="1" noChangeAspect="1"/>
+          </p:cNvSpPr>
+          <p:nvPr>
+            <p:ph type="sldImg" idx="2"/>
+          </p:nvPr>
+        </p:nvSpPr>
+        <p:spPr>
+          <a:xfrm>
+            <a:off x="685800" y="1143000"/>
+            <a:ext cx="5486400" cy="3086100"/>
+          </a:xfrm>
+          <a:prstGeom prst="rect">
+            <a:avLst/>
+          </a:prstGeom>
+          <a:noFill/>
+          <a:ln w="12700">
+            <a:solidFill>
+              <a:prstClr val="black"/>
+            </a:solidFill>
+          </a:ln>
+        </p:spPr>
+        <p:txBody>
+          <a:bodyPr vert="horz" lIns="91440" tIns="45720" rIns="91440" bIns="45720" rtlCol="0" anchor="ctr"/>
+          <a:lstStyle/>
+          <a:p>
+            <a:endParaRPr lang="en-US"/>
+          </a:p>
+        </p:txBody>
+      </p:sp>
+      <p:sp>
+        <p:nvSpPr>
+          <p:cNvPr id="5" name="Notes Placeholder 4"/>
+          <p:cNvSpPr>
+            <a:spLocks noGrp="1"/>
+          </p:cNvSpPr>
+          <p:nvPr>
+            <p:ph type="body" sz="quarter" idx="3"/>
+          </p:nvPr>
+        </p:nvSpPr>
+        <p:spPr>
+          <a:xfrm>
+            <a:off x="685800" y="4400550"/>
+            <a:ext cx="5486400" cy="3600450"/>
+          </a:xfrm>
+          <a:prstGeom prst="rect">
+            <a:avLst/>
+          </a:prstGeom>
+        </p:spPr>
+        <p:txBody>
+          <a:bodyPr vert="horz" lIns="91440" tIns="45720" rIns="91440" bIns="45720" rtlCol="0"/>
+          <a:lstStyle/>
+          <a:p>
+            <a:pPr lvl="0"/>
+            <a:r>
+              <a:rPr lang="en-US"/>
+              <a:t>Click to edit Master text styles</a:t>
+            </a:r>
+          </a:p>
+          <a:p>
+            <a:pPr lvl="1"/>
+            <a:r>
+              <a:rPr lang="en-US"/>
+              <a:t>Second level</a:t>
+            </a:r>
+          </a:p>
+          <a:p>
+            <a:pPr lvl="2"/>
+            <a:r>
+              <a:rPr lang="en-US"/>
+              <a:t>Third level</a:t>
+            </a:r>
+          </a:p>
+          <a:p>
+            <a:pPr lvl="3"/>
+            <a:r>
+              <a:rPr lang="en-US"/>
+              <a:t>Fourth level</a:t>
+            </a:r>
+          </a:p>
+          <a:p>
+            <a:pPr lvl="4"/>
+            <a:r>
+              <a:rPr lang="en-US"/>
+              <a:t>Fifth level</a:t>
+            </a:r>
+          </a:p>
+        </p:txBody>
+      </p:sp>
+      <p:sp>
+        <p:nvSpPr>
+          <p:cNvPr id="6" name="Footer Placeholder 5"/>
+          <p:cNvSpPr>
+            <a:spLocks noGrp="1"/>
+          </p:cNvSpPr>
+          <p:nvPr>
+            <p:ph type="ftr" sz="quarter" idx="4"/>
+          </p:nvPr>
+        </p:nvSpPr>
+        <p:spPr>
+          <a:xfrm>
+            <a:off x="0" y="8685213"/>
+            <a:ext cx="2971800" cy="458787"/>
+          </a:xfrm>
+          <a:prstGeom prst="rect">
+            <a:avLst/>
+          </a:prstGeom>
+        </p:spPr>
+        <p:txBody>
+          <a:bodyPr vert="horz" lIns="91440" tIns="45720" rIns="91440" bIns="45720" rtlCol="0" anchor="b"/>
+          <a:lstStyle>
+            <a:lvl1pPr algn="l">
+              <a:defRPr sz="1200"/>
+            </a:lvl1pPr>
+          </a:lstStyle>
+          <a:p>
+            <a:endParaRPr lang="en-US"/>
+          </a:p>
+        </p:txBody>
+      </p:sp>
+      <p:sp>
+        <p:nvSpPr>
+          <p:cNvPr id="7" name="Slide Number Placeholder 6"/>
+          <p:cNvSpPr>
+            <a:spLocks noGrp="1"/>
+          </p:cNvSpPr>
+          <p:nvPr>
+            <p:ph type="sldNum" sz="quarter" idx="5"/>
+          </p:nvPr>
+        </p:nvSpPr>
+        <p:spPr>
+          <a:xfrm>
+            <a:off x="3884613" y="8685213"/>
+            <a:ext cx="2971800" cy="458787"/>
+          </a:xfrm>
+          <a:prstGeom prst="rect">
+            <a:avLst/>
+          </a:prstGeom>
+        </p:spPr>
+        <p:txBody>
+          <a:bodyPr vert="horz" lIns="91440" tIns="45720" rIns="91440" bIns="45720" rtlCol="0" anchor="b"/>
+          <a:lstStyle>
+            <a:lvl1pPr algn="r">
+              <a:defRPr sz="1200"/>
+            </a:lvl1pPr>
+          </a:lstStyle>
+          <a:p>
+            <a:fld id="{18BDFEC3-8487-43E8-A154-7C12CBC1FFF2}" type="slidenum">
+              <a:rPr lang="en-US" smtClean="0"/>
+              <a:t>‹#›</a:t>
+            </a:fld>
+            <a:endParaRPr lang="en-US"/>
+          </a:p>
+        </p:txBody>
+      </p:sp>
+    </p:spTree>
+    <p:extLst>
+      <p:ext uri="{BB962C8B-B14F-4D97-AF65-F5344CB8AC3E}">
+        <p14:creationId xmlns:p14="http://schemas.microsoft.com/office/powerpoint/2010/main" val="3782709779"/>
+      </p:ext>
+    </p:extLst>
+  </p:cSld>
+  <p:clrMap bg1="lt1" tx1="dk1" bg2="lt2" tx2="dk2" accent1="accent1" accent2="accent2" accent3="accent3" accent4="accent4" accent5="accent5" accent6="accent6" hlink="hlink" folHlink="folHlink"/>
+  <p:notesStyle>
+    <a:lvl1pPr marL="0" algn="l" defTabSz="914400" rtl="0" eaLnBrk="1" latinLnBrk="0" hangingPunct="1">
+      <a:defRPr sz="1200" kern="1200">
+        <a:solidFill>
+          <a:schemeClr val="tx1"/>
+        </a:solidFill>
+        <a:latin typeface="+mn-lt"/>
+        <a:ea typeface="+mn-ea"/>
+        <a:cs typeface="+mn-cs"/>
+      </a:defRPr>
+    </a:lvl1pPr>
+    <a:lvl2pPr marL="457200" algn="l" defTabSz="914400" rtl="0" eaLnBrk="1" latinLnBrk="0" hangingPunct="1">
+      <a:defRPr sz="1200" kern="1200">
+        <a:solidFill>
+          <a:schemeClr val="tx1"/>
+        </a:solidFill>
+        <a:latin typeface="+mn-lt"/>
+        <a:ea typeface="+mn-ea"/>
+        <a:cs typeface="+mn-cs"/>
+      </a:defRPr>
+    </a:lvl2pPr>
+    <a:lvl3pPr marL="914400" algn="l" defTabSz="914400" rtl="0" eaLnBrk="1" latinLnBrk="0" hangingPunct="1">
+      <a:defRPr sz="1200" kern="1200">
+        <a:solidFill>
+          <a:schemeClr val="tx1"/>
+        </a:solidFill>
+        <a:latin typeface="+mn-lt"/>
+        <a:ea typeface="+mn-ea"/>
+        <a:cs typeface="+mn-cs"/>
+      </a:defRPr>
+    </a:lvl3pPr>
+    <a:lvl4pPr marL="1371600" algn="l" defTabSz="914400" rtl="0" eaLnBrk="1" latinLnBrk="0" hangingPunct="1">
+      <a:defRPr sz="1200" kern="1200">
+        <a:solidFill>
+          <a:schemeClr val="tx1"/>
+        </a:solidFill>
+        <a:latin typeface="+mn-lt"/>
+        <a:ea typeface="+mn-ea"/>
+        <a:cs typeface="+mn-cs"/>
+      </a:defRPr>
+    </a:lvl4pPr>
+    <a:lvl5pPr marL="1828800" algn="l" defTabSz="914400" rtl="0" eaLnBrk="1" latinLnBrk="0" hangingPunct="1">
+      <a:defRPr sz="1200" kern="1200">
+        <a:solidFill>
+          <a:schemeClr val="tx1"/>
+        </a:solidFill>
+        <a:latin typeface="+mn-lt"/>
+        <a:ea typeface="+mn-ea"/>
+        <a:cs typeface="+mn-cs"/>
+      </a:defRPr>
+    </a:lvl5pPr>
+    <a:lvl6pPr marL="2286000" algn="l" defTabSz="914400" rtl="0" eaLnBrk="1" latinLnBrk="0" hangingPunct="1">
+      <a:defRPr sz="1200" kern="1200">
+        <a:solidFill>
+          <a:schemeClr val="tx1"/>
+        </a:solidFill>
+        <a:latin typeface="+mn-lt"/>
+        <a:ea typeface="+mn-ea"/>
+        <a:cs typeface="+mn-cs"/>
+      </a:defRPr>
+    </a:lvl6pPr>
+    <a:lvl7pPr marL="2743200" algn="l" defTabSz="914400" rtl="0" eaLnBrk="1" latinLnBrk="0" hangingPunct="1">
+      <a:defRPr sz="1200" kern="1200">
+        <a:solidFill>
+          <a:schemeClr val="tx1"/>
+        </a:solidFill>
+        <a:latin typeface="+mn-lt"/>
+        <a:ea typeface="+mn-ea"/>
+        <a:cs typeface="+mn-cs"/>
+      </a:defRPr>
+    </a:lvl7pPr>
+    <a:lvl8pPr marL="3200400" algn="l" defTabSz="914400" rtl="0" eaLnBrk="1" latinLnBrk="0" hangingPunct="1">
+      <a:defRPr sz="1200" kern="1200">
+        <a:solidFill>
+          <a:schemeClr val="tx1"/>
+        </a:solidFill>
+        <a:latin typeface="+mn-lt"/>
+        <a:ea typeface="+mn-ea"/>
+        <a:cs typeface="+mn-cs"/>
+      </a:defRPr>
+    </a:lvl8pPr>
+    <a:lvl9pPr marL="3657600" algn="l" defTabSz="914400" rtl="0" eaLnBrk="1" latinLnBrk="0" hangingPunct="1">
+      <a:defRPr sz="1200" kern="1200">
+        <a:solidFill>
+          <a:schemeClr val="tx1"/>
+        </a:solidFill>
+        <a:latin typeface="+mn-lt"/>
+        <a:ea typeface="+mn-ea"/>
+        <a:cs typeface="+mn-cs"/>
+      </a:defRPr>
+    </a:lvl9pPr>
+  </p:notesStyle>
+</p:notesMaster>
+</file>
+
+<file path=ppt/notesSlides/notesSlide1.xml><?xml version="1.0" encoding="utf-8"?>
+<p:notes xmlns:a="http://schemas.openxmlformats.org/drawingml/2006/main" xmlns:r="http://schemas.openxmlformats.org/officeDocument/2006/relationships" xmlns:p="http://schemas.openxmlformats.org/presentationml/2006/main">
+  <p:cSld>
+    <p:spTree>
+      <p:nvGrpSpPr>
+        <p:cNvPr id="1" name=""/>
+        <p:cNvGrpSpPr/>
+        <p:nvPr/>
+      </p:nvGrpSpPr>
+      <p:grpSpPr>
+        <a:xfrm>
+          <a:off x="0" y="0"/>
+          <a:ext cx="0" cy="0"/>
+          <a:chOff x="0" y="0"/>
+          <a:chExt cx="0" cy="0"/>
+        </a:xfrm>
+      </p:grpSpPr>
+      <p:sp>
+        <p:nvSpPr>
+          <p:cNvPr id="2" name="Slide Image Placeholder 1"/>
+          <p:cNvSpPr>
+            <a:spLocks noGrp="1" noRot="1" noChangeAspect="1"/>
+          </p:cNvSpPr>
+          <p:nvPr>
+            <p:ph type="sldImg"/>
+          </p:nvPr>
+        </p:nvSpPr>
+        <p:spPr/>
+      </p:sp>
+      <p:sp>
+        <p:nvSpPr>
+          <p:cNvPr id="3" name="Notes Placeholder 2"/>
+          <p:cNvSpPr>
+            <a:spLocks noGrp="1"/>
+          </p:cNvSpPr>
+          <p:nvPr>
+            <p:ph type="body" idx="1"/>
+          </p:nvPr>
+        </p:nvSpPr>
+        <p:spPr/>
+        <p:txBody>
+          <a:bodyPr/>
+          <a:lstStyle/>
+          <a:p>
+            <a:pPr lvl="0" indent="0" marL="0">
+              <a:buNone/>
+            </a:pPr>
+            <a:r>
+              <a:rPr/>
+              <a:t>This analysis predicts the existence of the subinertial, reconnection interval of MHD turbulence, with the estimated scaling of the Fourier energy spectrum E(k_{⊥})∝k-5/2, where k is the wave number perpendicular to the local mean magnetic field.</a:t>
+            </a:r>
+          </a:p>
+        </p:txBody>
+      </p:sp>
+      <p:sp>
+        <p:nvSpPr>
+          <p:cNvPr id="4" name="Slide Number Placeholder 3"/>
+          <p:cNvSpPr>
+            <a:spLocks noGrp="1"/>
+          </p:cNvSpPr>
+          <p:nvPr>
+            <p:ph type="sldNum" sz="quarter" idx="10"/>
+          </p:nvPr>
+        </p:nvSpPr>
+        <p:spPr/>
+        <p:txBody>
+          <a:bodyPr/>
+          <a:lstStyle/>
+          <a:p>
+            <a:fld id="{18BDFEC3-8487-43E8-A154-7C12CBC1FFF2}" type="slidenum">
+              <a:rPr lang="en-US"/>
+              <a:t>2</a:t>
+            </a:fld>
+            <a:endParaRPr lang="en-US"/>
+          </a:p>
+        </p:txBody>
+      </p:sp>
+    </p:spTree>
+  </p:cSld>
+</p:notes>
 </file>
 
 <file path=ppt/slideLayouts/slideLayout1.xml><?xml version="1.0" encoding="utf-8"?>
@@ -3199,6 +3636,1260 @@
             </a:pPr>
             <a:r>
               <a:rPr/>
+              <a:t>Spectrum of turbulence below the reconnection scale</a:t>
+            </a:r>
+          </a:p>
+        </p:txBody>
+      </p:sp>
+      <p:pic>
+        <p:nvPicPr>
+          <p:cNvPr descr="20250319133039.png" id="0" name="Picture 1"/>
+          <p:cNvPicPr>
+            <a:picLocks noGrp="1" noChangeAspect="1"/>
+          </p:cNvPicPr>
+          <p:nvPr/>
+        </p:nvPicPr>
+        <p:blipFill>
+          <a:blip r:embed="rId2"/>
+          <a:stretch>
+            <a:fillRect/>
+          </a:stretch>
+        </p:blipFill>
+        <p:spPr bwMode="auto">
+          <a:xfrm>
+            <a:off x="1955800" y="1193800"/>
+            <a:ext cx="5245100" cy="2882900"/>
+          </a:xfrm>
+          <a:prstGeom prst="rect">
+            <a:avLst/>
+          </a:prstGeom>
+          <a:noFill/>
+          <a:ln w="9525">
+            <a:noFill/>
+            <a:headEnd/>
+            <a:tailEnd/>
+          </a:ln>
+        </p:spPr>
+      </p:pic>
+      <p:sp>
+        <p:nvSpPr>
+          <p:cNvPr id="1" name="TextBox 3"/>
+          <p:cNvSpPr txBox="1"/>
+          <p:nvPr/>
+        </p:nvSpPr>
+        <p:spPr>
+          <a:xfrm>
+            <a:off x="457200" y="4076700"/>
+            <a:ext cx="8229600" cy="508000"/>
+          </a:xfrm>
+          <a:prstGeom prst="rect">
+            <a:avLst/>
+          </a:prstGeom>
+          <a:noFill/>
+        </p:spPr>
+        <p:txBody>
+          <a:bodyPr/>
+          <a:lstStyle/>
+          <a:p>
+            <a:pPr lvl="0" indent="0" marL="0" algn="ctr">
+              <a:buNone/>
+            </a:pPr>
+            <a:r>
+              <a:rPr/>
+              <a:t>Sketch of the Fourier energy spectrum (log-log scale)</a:t>
+            </a:r>
+          </a:p>
+        </p:txBody>
+      </p:sp>
+      <mc:AlternateContent xmlns:mc="http://schemas.openxmlformats.org/markup-compatibility/2006">
+        <mc:Choice xmlns:a14="http://schemas.microsoft.com/office/drawing/2010/main" Requires="a14">
+          <p:sp>
+            <p:nvSpPr>
+              <p:cNvPr id="3" name="Content Placeholder 2"/>
+              <p:cNvSpPr>
+                <a:spLocks noGrp="1"/>
+              </p:cNvSpPr>
+              <p:nvPr>
+                <p:ph idx="1"/>
+              </p:nvPr>
+            </p:nvSpPr>
+            <p:spPr/>
+            <p:txBody>
+              <a:bodyPr/>
+              <a:lstStyle/>
+              <a:p>
+                <a:pPr lvl="0" indent="0" marL="1270000">
+                  <a:buNone/>
+                </a:pPr>
+                <a:r>
+                  <a:rPr sz="2000"/>
+                  <a:t>These critical current sheets are the structures where ohmic and viscous dissipation is happening. It is reasonable to assume that Eq. (18) sets the dissipation scale, that is, the scale below which the reconnection interval is ultimately terminated by the dissipation. Assuming that the energy spectrum in this interval follows a power law, we write it in the form</a:t>
+                </a:r>
+              </a:p>
+              <a:p>
+                <a:pPr lvl="0" indent="0" marL="0">
+                  <a:buNone/>
+                </a:pPr>
+                <a14:m>
+                  <m:oMathPara xmlns:m="http://schemas.openxmlformats.org/officeDocument/2006/math">
+                    <m:oMathParaPr>
+                      <m:jc m:val="center"/>
+                    </m:oMathParaPr>
+                    <m:oMath>
+                      <m:r>
+                        <m:t>E</m:t>
+                      </m:r>
+                      <m:d>
+                        <m:dPr>
+                          <m:begChr m:val="("/>
+                          <m:sepChr m:val=""/>
+                          <m:endChr m:val=")"/>
+                          <m:grow/>
+                        </m:dPr>
+                        <m:e>
+                          <m:sSub>
+                            <m:e>
+                              <m:r>
+                                <m:t>k</m:t>
+                              </m:r>
+                            </m:e>
+                            <m:sub>
+                              <m:r>
+                                <m:rPr>
+                                  <m:sty m:val="p"/>
+                                </m:rPr>
+                                <m:t>⟂</m:t>
+                              </m:r>
+                            </m:sub>
+                          </m:sSub>
+                        </m:e>
+                      </m:d>
+                      <m:r>
+                        <m:rPr>
+                          <m:sty m:val="p"/>
+                        </m:rPr>
+                        <m:t>∝</m:t>
+                      </m:r>
+                      <m:sSubSup>
+                        <m:e>
+                          <m:r>
+                            <m:t>k</m:t>
+                          </m:r>
+                        </m:e>
+                        <m:sub>
+                          <m:r>
+                            <m:t>0</m:t>
+                          </m:r>
+                        </m:sub>
+                        <m:sup>
+                          <m:r>
+                            <m:rPr>
+                              <m:sty m:val="p"/>
+                            </m:rPr>
+                            <m:t>−</m:t>
+                          </m:r>
+                          <m:r>
+                            <m:t>3</m:t>
+                          </m:r>
+                          <m:r>
+                            <m:rPr>
+                              <m:sty m:val="p"/>
+                            </m:rPr>
+                            <m:t>/</m:t>
+                          </m:r>
+                          <m:r>
+                            <m:t>2</m:t>
+                          </m:r>
+                        </m:sup>
+                      </m:sSubSup>
+                      <m:sSup>
+                        <m:e>
+                          <m:d>
+                            <m:dPr>
+                              <m:begChr m:val="("/>
+                              <m:sepChr m:val=""/>
+                              <m:endChr m:val=")"/>
+                              <m:grow/>
+                            </m:dPr>
+                            <m:e>
+                              <m:sSub>
+                                <m:e>
+                                  <m:r>
+                                    <m:t>k</m:t>
+                                  </m:r>
+                                </m:e>
+                                <m:sub>
+                                  <m:r>
+                                    <m:rPr>
+                                      <m:sty m:val="p"/>
+                                    </m:rPr>
+                                    <m:t>⟂</m:t>
+                                  </m:r>
+                                </m:sub>
+                              </m:sSub>
+                              <m:r>
+                                <m:rPr>
+                                  <m:sty m:val="p"/>
+                                </m:rPr>
+                                <m:t>/</m:t>
+                              </m:r>
+                              <m:sSub>
+                                <m:e>
+                                  <m:r>
+                                    <m:t>k</m:t>
+                                  </m:r>
+                                </m:e>
+                                <m:sub>
+                                  <m:r>
+                                    <m:t>0</m:t>
+                                  </m:r>
+                                </m:sub>
+                              </m:sSub>
+                            </m:e>
+                          </m:d>
+                        </m:e>
+                        <m:sup>
+                          <m:r>
+                            <m:rPr>
+                              <m:sty m:val="p"/>
+                            </m:rPr>
+                            <m:t>−</m:t>
+                          </m:r>
+                          <m:r>
+                            <m:t>α</m:t>
+                          </m:r>
+                        </m:sup>
+                      </m:sSup>
+                    </m:oMath>
+                  </m:oMathPara>
+                </a14:m>
+              </a:p>
+              <a:p>
+                <a:pPr lvl="0" indent="0" marL="0">
+                  <a:buNone/>
+                </a:pPr>
+                <a14:m>
+                  <m:oMathPara xmlns:m="http://schemas.openxmlformats.org/officeDocument/2006/math">
+                    <m:oMathParaPr>
+                      <m:jc m:val="center"/>
+                    </m:oMathParaPr>
+                    <m:oMath>
+                      <m:r>
+                        <m:rPr>
+                          <m:sty m:val="p"/>
+                        </m:rPr>
+                        <m:t>−</m:t>
+                      </m:r>
+                      <m:f>
+                        <m:fPr>
+                          <m:type m:val="bar"/>
+                        </m:fPr>
+                        <m:num>
+                          <m:r>
+                            <m:t>d</m:t>
+                          </m:r>
+                          <m:r>
+                            <m:t>E</m:t>
+                          </m:r>
+                        </m:num>
+                        <m:den>
+                          <m:r>
+                            <m:t>d</m:t>
+                          </m:r>
+                          <m:r>
+                            <m:t>t</m:t>
+                          </m:r>
+                        </m:den>
+                      </m:f>
+                      <m:r>
+                        <m:rPr>
+                          <m:sty m:val="p"/>
+                        </m:rPr>
+                        <m:t>=</m:t>
+                      </m:r>
+                      <m:r>
+                        <m:t>η</m:t>
+                      </m:r>
+                      <m:nary>
+                        <m:naryPr>
+                          <m:chr m:val="∫"/>
+                          <m:limLoc m:val="subSup"/>
+                          <m:subHide m:val="on"/>
+                          <m:supHide m:val="off"/>
+                        </m:naryPr>
+                        <m:sub>
+                          <m:r>
+                            <m:t>​</m:t>
+                          </m:r>
+                        </m:sub>
+                        <m:sup>
+                          <m:sSub>
+                            <m:e>
+                              <m:r>
+                                <m:t>k</m:t>
+                              </m:r>
+                            </m:e>
+                            <m:sub>
+                              <m:r>
+                                <m:rPr>
+                                  <m:sty m:val="p"/>
+                                </m:rPr>
+                                <m:t>*</m:t>
+                              </m:r>
+                            </m:sub>
+                          </m:sSub>
+                        </m:sup>
+                        <m:e>
+                          <m:sSubSup>
+                            <m:e>
+                              <m:r>
+                                <m:t>k</m:t>
+                              </m:r>
+                            </m:e>
+                            <m:sub>
+                              <m:r>
+                                <m:rPr>
+                                  <m:sty m:val="p"/>
+                                </m:rPr>
+                                <m:t>⟂</m:t>
+                              </m:r>
+                            </m:sub>
+                            <m:sup>
+                              <m:r>
+                                <m:t>2</m:t>
+                              </m:r>
+                            </m:sup>
+                          </m:sSubSup>
+                        </m:e>
+                      </m:nary>
+                      <m:r>
+                        <m:t>E</m:t>
+                      </m:r>
+                      <m:d>
+                        <m:dPr>
+                          <m:begChr m:val="("/>
+                          <m:sepChr m:val=""/>
+                          <m:endChr m:val=")"/>
+                          <m:grow/>
+                        </m:dPr>
+                        <m:e>
+                          <m:sSub>
+                            <m:e>
+                              <m:r>
+                                <m:t>k</m:t>
+                              </m:r>
+                            </m:e>
+                            <m:sub>
+                              <m:r>
+                                <m:rPr>
+                                  <m:sty m:val="p"/>
+                                </m:rPr>
+                                <m:t>⟂</m:t>
+                              </m:r>
+                            </m:sub>
+                          </m:sSub>
+                        </m:e>
+                      </m:d>
+                      <m:r>
+                        <m:t>d</m:t>
+                      </m:r>
+                      <m:sSub>
+                        <m:e>
+                          <m:r>
+                            <m:t>k</m:t>
+                          </m:r>
+                        </m:e>
+                        <m:sub>
+                          <m:r>
+                            <m:rPr>
+                              <m:sty m:val="p"/>
+                            </m:rPr>
+                            <m:t>⟂</m:t>
+                          </m:r>
+                        </m:sub>
+                      </m:sSub>
+                      <m:r>
+                        <m:rPr>
+                          <m:sty m:val="p"/>
+                        </m:rPr>
+                        <m:t>∝</m:t>
+                      </m:r>
+                      <m:sSubSup>
+                        <m:e>
+                          <m:r>
+                            <m:t>S</m:t>
+                          </m:r>
+                        </m:e>
+                        <m:sub>
+                          <m:r>
+                            <m:t>L</m:t>
+                          </m:r>
+                        </m:sub>
+                        <m:sup>
+                          <m:f>
+                            <m:fPr>
+                              <m:type m:val="bar"/>
+                            </m:fPr>
+                            <m:num>
+                              <m:r>
+                                <m:t>4</m:t>
+                              </m:r>
+                            </m:num>
+                            <m:den>
+                              <m:r>
+                                <m:t>7</m:t>
+                              </m:r>
+                            </m:den>
+                          </m:f>
+                          <m:d>
+                            <m:dPr>
+                              <m:begChr m:val="("/>
+                              <m:sepChr m:val=""/>
+                              <m:endChr m:val=")"/>
+                              <m:grow/>
+                            </m:dPr>
+                            <m:e>
+                              <m:r>
+                                <m:rPr>
+                                  <m:sty m:val="p"/>
+                                </m:rPr>
+                                <m:t>−</m:t>
+                              </m:r>
+                              <m:f>
+                                <m:fPr>
+                                  <m:type m:val="bar"/>
+                                </m:fPr>
+                                <m:num>
+                                  <m:r>
+                                    <m:t>3</m:t>
+                                  </m:r>
+                                </m:num>
+                                <m:den>
+                                  <m:r>
+                                    <m:t>2</m:t>
+                                  </m:r>
+                                </m:den>
+                              </m:f>
+                              <m:r>
+                                <m:rPr>
+                                  <m:sty m:val="p"/>
+                                </m:rPr>
+                                <m:t>+</m:t>
+                              </m:r>
+                              <m:r>
+                                <m:t>α</m:t>
+                              </m:r>
+                            </m:e>
+                          </m:d>
+                          <m:r>
+                            <m:rPr>
+                              <m:sty m:val="p"/>
+                            </m:rPr>
+                            <m:t>+</m:t>
+                          </m:r>
+                          <m:f>
+                            <m:fPr>
+                              <m:type m:val="bar"/>
+                            </m:fPr>
+                            <m:num>
+                              <m:r>
+                                <m:t>6</m:t>
+                              </m:r>
+                            </m:num>
+                            <m:den>
+                              <m:r>
+                                <m:t>7</m:t>
+                              </m:r>
+                            </m:den>
+                          </m:f>
+                          <m:d>
+                            <m:dPr>
+                              <m:begChr m:val="("/>
+                              <m:sepChr m:val=""/>
+                              <m:endChr m:val=")"/>
+                              <m:grow/>
+                            </m:dPr>
+                            <m:e>
+                              <m:r>
+                                <m:t>3</m:t>
+                              </m:r>
+                              <m:r>
+                                <m:rPr>
+                                  <m:sty m:val="p"/>
+                                </m:rPr>
+                                <m:t>−</m:t>
+                              </m:r>
+                              <m:r>
+                                <m:t>α</m:t>
+                              </m:r>
+                            </m:e>
+                          </m:d>
+                          <m:r>
+                            <m:rPr>
+                              <m:sty m:val="p"/>
+                            </m:rPr>
+                            <m:t>−</m:t>
+                          </m:r>
+                          <m:r>
+                            <m:t>1</m:t>
+                          </m:r>
+                        </m:sup>
+                      </m:sSubSup>
+                    </m:oMath>
+                  </m:oMathPara>
+                </a14:m>
+              </a:p>
+              <a:p>
+                <a:pPr lvl="0" indent="0" marL="0">
+                  <a:buNone/>
+                </a:pPr>
+                <a:r>
+                  <a:rPr/>
+                  <a:t>This defines the scaling of the energy spectrum: </a:t>
+                </a:r>
+                <a14:m>
+                  <m:oMath xmlns:m="http://schemas.openxmlformats.org/officeDocument/2006/math">
+                    <m:r>
+                      <m:t>α</m:t>
+                    </m:r>
+                    <m:r>
+                      <m:rPr>
+                        <m:sty m:val="p"/>
+                      </m:rPr>
+                      <m:t>=</m:t>
+                    </m:r>
+                    <m:r>
+                      <m:t>5</m:t>
+                    </m:r>
+                    <m:r>
+                      <m:rPr>
+                        <m:sty m:val="p"/>
+                      </m:rPr>
+                      <m:t>/</m:t>
+                    </m:r>
+                    <m:r>
+                      <m:t>2</m:t>
+                    </m:r>
+                  </m:oMath>
+                </a14:m>
+                <a:r>
+                  <a:rPr/>
+                  <a:t>.</a:t>
+                </a:r>
+              </a:p>
+            </p:txBody>
+          </p:sp>
+        </mc:Choice>
+      </mc:AlternateContent>
+    </p:spTree>
+  </p:cSld>
+</p:sld>
+</file>
+
+<file path=ppt/slides/slide11.xml><?xml version="1.0" encoding="utf-8"?>
+<p:sld xmlns:a="http://schemas.openxmlformats.org/drawingml/2006/main" xmlns:r="http://schemas.openxmlformats.org/officeDocument/2006/relationships" xmlns:p="http://schemas.openxmlformats.org/presentationml/2006/main">
+  <p:cSld>
+    <p:spTree>
+      <p:nvGrpSpPr>
+        <p:cNvPr id="1" name=""/>
+        <p:cNvGrpSpPr/>
+        <p:nvPr/>
+      </p:nvGrpSpPr>
+      <p:grpSpPr>
+        <a:xfrm>
+          <a:off x="0" y="0"/>
+          <a:ext cx="0" cy="0"/>
+          <a:chOff x="0" y="0"/>
+          <a:chExt cx="0" cy="0"/>
+        </a:xfrm>
+      </p:grpSpPr>
+      <p:sp>
+        <p:nvSpPr>
+          <p:cNvPr id="2" name="Title 1"/>
+          <p:cNvSpPr>
+            <a:spLocks noGrp="1"/>
+          </p:cNvSpPr>
+          <p:nvPr>
+            <p:ph type="title"/>
+          </p:nvPr>
+        </p:nvSpPr>
+        <p:spPr>
+          <a:xfrm>
+            <a:off x="457201" y="204787"/>
+            <a:ext cx="3008313" cy="871538"/>
+          </a:xfrm>
+        </p:spPr>
+        <p:txBody>
+          <a:bodyPr/>
+          <a:lstStyle/>
+          <a:p>
+            <a:pPr lvl="0" indent="0" marL="0">
+              <a:buNone/>
+            </a:pPr>
+            <a:r>
+              <a:rPr/>
+              <a:t>Spectrum of turbulence governed by the tearing instability</a:t>
+            </a:r>
+          </a:p>
+        </p:txBody>
+      </p:sp>
+      <mc:AlternateContent xmlns:mc="http://schemas.openxmlformats.org/markup-compatibility/2006">
+        <mc:Choice xmlns:a14="http://schemas.microsoft.com/office/drawing/2010/main" Requires="a14">
+          <p:sp>
+            <p:nvSpPr>
+              <p:cNvPr id="4" name="Text Placeholder 3"/>
+              <p:cNvSpPr>
+                <a:spLocks noGrp="1"/>
+              </p:cNvSpPr>
+              <p:nvPr>
+                <p:ph idx="2" sz="half" type="body"/>
+              </p:nvPr>
+            </p:nvSpPr>
+            <p:spPr/>
+            <p:txBody>
+              <a:bodyPr/>
+              <a:lstStyle/>
+              <a:p>
+                <a:pPr lvl="0" indent="0" marL="0">
+                  <a:buNone/>
+                </a:pPr>
+                <a:r>
+                  <a:rPr/>
+                  <a:t>(</a:t>
+                </a:r>
+                <a:r>
+                  <a:rPr b="1"/>
+                  <a:t>boldyrevCalculationsTheoryTearing2018?</a:t>
+                </a:r>
+                <a:r>
+                  <a:rPr/>
+                  <a:t>) considered the general case of an arbitrary tearing parameter, and found these parameters depend on the assumed magnetic shear profile, and they are not universal.</a:t>
+                </a:r>
+              </a:p>
+              <a:p>
+                <a:pPr lvl="0" indent="0" marL="0">
+                  <a:buNone/>
+                </a:pPr>
+                <a:r>
+                  <a:rPr/>
+                  <a:t>Replacing the nonlinear turnover time by the tearing time </a:t>
+                </a:r>
+                <a14:m>
+                  <m:oMath xmlns:m="http://schemas.openxmlformats.org/officeDocument/2006/math">
+                    <m:sSubSup>
+                      <m:e>
+                        <m:r>
+                          <m:t>b</m:t>
+                        </m:r>
+                      </m:e>
+                      <m:sub>
+                        <m:r>
+                          <m:t>a</m:t>
+                        </m:r>
+                      </m:sub>
+                      <m:sup>
+                        <m:r>
+                          <m:t>2</m:t>
+                        </m:r>
+                      </m:sup>
+                    </m:sSubSup>
+                    <m:r>
+                      <m:t>γ</m:t>
+                    </m:r>
+                    <m:r>
+                      <m:rPr>
+                        <m:sty m:val="p"/>
+                      </m:rPr>
+                      <m:t>=</m:t>
+                    </m:r>
+                    <m:r>
+                      <m:t>ε</m:t>
+                    </m:r>
+                  </m:oMath>
+                </a14:m>
+              </a:p>
+              <a:p>
+                <a:pPr lvl="0" indent="0" marL="0">
+                  <a:buNone/>
+                </a:pPr>
+                <a14:m>
+                  <m:oMathPara xmlns:m="http://schemas.openxmlformats.org/officeDocument/2006/math">
+                    <m:oMathParaPr>
+                      <m:jc m:val="center"/>
+                    </m:oMathParaPr>
+                    <m:oMath>
+                      <m:sSub>
+                        <m:e>
+                          <m:r>
+                            <m:t>b</m:t>
+                          </m:r>
+                        </m:e>
+                        <m:sub>
+                          <m:r>
+                            <m:t>a</m:t>
+                          </m:r>
+                        </m:sub>
+                      </m:sSub>
+                      <m:r>
+                        <m:rPr>
+                          <m:sty m:val="p"/>
+                        </m:rPr>
+                        <m:t>∼</m:t>
+                      </m:r>
+                      <m:sSup>
+                        <m:e>
+                          <m:r>
+                            <m:t>ε</m:t>
+                          </m:r>
+                        </m:e>
+                        <m:sup>
+                          <m:r>
+                            <m:t>2</m:t>
+                          </m:r>
+                          <m:r>
+                            <m:rPr>
+                              <m:sty m:val="p"/>
+                            </m:rPr>
+                            <m:t>/</m:t>
+                          </m:r>
+                          <m:r>
+                            <m:t>5</m:t>
+                          </m:r>
+                        </m:sup>
+                      </m:sSup>
+                      <m:sSup>
+                        <m:e>
+                          <m:r>
+                            <m:t>η</m:t>
+                          </m:r>
+                        </m:e>
+                        <m:sup>
+                          <m:r>
+                            <m:rPr>
+                              <m:sty m:val="p"/>
+                            </m:rPr>
+                            <m:t>−</m:t>
+                          </m:r>
+                          <m:r>
+                            <m:t>1</m:t>
+                          </m:r>
+                          <m:r>
+                            <m:rPr>
+                              <m:sty m:val="p"/>
+                            </m:rPr>
+                            <m:t>/</m:t>
+                          </m:r>
+                          <m:r>
+                            <m:t>5</m:t>
+                          </m:r>
+                        </m:sup>
+                      </m:sSup>
+                      <m:sSup>
+                        <m:e>
+                          <m:r>
+                            <m:t>a</m:t>
+                          </m:r>
+                        </m:e>
+                        <m:sup>
+                          <m:r>
+                            <m:t>3</m:t>
+                          </m:r>
+                          <m:r>
+                            <m:rPr>
+                              <m:sty m:val="p"/>
+                            </m:rPr>
+                            <m:t>/</m:t>
+                          </m:r>
+                          <m:r>
+                            <m:t>5</m:t>
+                          </m:r>
+                        </m:sup>
+                      </m:sSup>
+                    </m:oMath>
+                  </m:oMathPara>
+                </a14:m>
+              </a:p>
+              <a:p>
+                <a:pPr lvl="0" indent="0" marL="0">
+                  <a:buNone/>
+                </a:pPr>
+                <a:r>
+                  <a:rPr/>
+                  <a:t>and to the energy spectrum</a:t>
+                </a:r>
+              </a:p>
+              <a:p>
+                <a:pPr lvl="0" indent="0" marL="0">
+                  <a:buNone/>
+                </a:pPr>
+                <a14:m>
+                  <m:oMathPara xmlns:m="http://schemas.openxmlformats.org/officeDocument/2006/math">
+                    <m:oMathParaPr>
+                      <m:jc m:val="center"/>
+                    </m:oMathParaPr>
+                    <m:oMath>
+                      <m:sSub>
+                        <m:e>
+                          <m:r>
+                            <m:t>E</m:t>
+                          </m:r>
+                        </m:e>
+                        <m:sub>
+                          <m:r>
+                            <m:rPr>
+                              <m:sty m:val="p"/>
+                            </m:rPr>
+                            <m:t>t</m:t>
+                          </m:r>
+                          <m:r>
+                            <m:rPr>
+                              <m:sty m:val="p"/>
+                            </m:rPr>
+                            <m:t>a</m:t>
+                          </m:r>
+                          <m:r>
+                            <m:rPr>
+                              <m:sty m:val="p"/>
+                            </m:rPr>
+                            <m:t>n</m:t>
+                          </m:r>
+                          <m:r>
+                            <m:rPr>
+                              <m:sty m:val="p"/>
+                            </m:rPr>
+                            <m:t>h</m:t>
+                          </m:r>
+                        </m:sub>
+                      </m:sSub>
+                      <m:d>
+                        <m:dPr>
+                          <m:begChr m:val="("/>
+                          <m:sepChr m:val=""/>
+                          <m:endChr m:val=")"/>
+                          <m:grow/>
+                        </m:dPr>
+                        <m:e>
+                          <m:sSub>
+                            <m:e>
+                              <m:r>
+                                <m:t>k</m:t>
+                              </m:r>
+                            </m:e>
+                            <m:sub>
+                              <m:r>
+                                <m:rPr>
+                                  <m:sty m:val="p"/>
+                                </m:rPr>
+                                <m:t>⟂</m:t>
+                              </m:r>
+                            </m:sub>
+                          </m:sSub>
+                        </m:e>
+                      </m:d>
+                      <m:r>
+                        <m:rPr>
+                          <m:sty m:val="p"/>
+                        </m:rPr>
+                        <m:t>∝</m:t>
+                      </m:r>
+                      <m:sSubSup>
+                        <m:e>
+                          <m:r>
+                            <m:t>k</m:t>
+                          </m:r>
+                        </m:e>
+                        <m:sub>
+                          <m:r>
+                            <m:rPr>
+                              <m:sty m:val="p"/>
+                            </m:rPr>
+                            <m:t>⟂</m:t>
+                          </m:r>
+                        </m:sub>
+                        <m:sup>
+                          <m:r>
+                            <m:rPr>
+                              <m:sty m:val="p"/>
+                            </m:rPr>
+                            <m:t>−</m:t>
+                          </m:r>
+                          <m:r>
+                            <m:t>11</m:t>
+                          </m:r>
+                          <m:r>
+                            <m:rPr>
+                              <m:sty m:val="p"/>
+                            </m:rPr>
+                            <m:t>/</m:t>
+                          </m:r>
+                          <m:r>
+                            <m:t>5</m:t>
+                          </m:r>
+                        </m:sup>
+                      </m:sSubSup>
+                    </m:oMath>
+                  </m:oMathPara>
+                </a14:m>
+              </a:p>
+              <a:p>
+                <a:pPr lvl="0" indent="0" marL="0">
+                  <a:buNone/>
+                </a:pPr>
+                <a:r>
+                  <a:rPr/>
+                  <a:t>A similar estimate for the sine-shaped profile leads to somewhat different scaling exponent</a:t>
+                </a:r>
+              </a:p>
+              <a:p>
+                <a:pPr lvl="0" indent="0" marL="0">
+                  <a:buNone/>
+                </a:pPr>
+                <a14:m>
+                  <m:oMathPara xmlns:m="http://schemas.openxmlformats.org/officeDocument/2006/math">
+                    <m:oMathParaPr>
+                      <m:jc m:val="center"/>
+                    </m:oMathParaPr>
+                    <m:oMath>
+                      <m:sSub>
+                        <m:e>
+                          <m:r>
+                            <m:t>b</m:t>
+                          </m:r>
+                        </m:e>
+                        <m:sub>
+                          <m:r>
+                            <m:t>a</m:t>
+                          </m:r>
+                        </m:sub>
+                      </m:sSub>
+                      <m:r>
+                        <m:rPr>
+                          <m:sty m:val="p"/>
+                        </m:rPr>
+                        <m:t>∼</m:t>
+                      </m:r>
+                      <m:sSup>
+                        <m:e>
+                          <m:r>
+                            <m:t>ε</m:t>
+                          </m:r>
+                        </m:e>
+                        <m:sup>
+                          <m:r>
+                            <m:t>7</m:t>
+                          </m:r>
+                          <m:r>
+                            <m:rPr>
+                              <m:sty m:val="p"/>
+                            </m:rPr>
+                            <m:t>/</m:t>
+                          </m:r>
+                          <m:r>
+                            <m:t>18</m:t>
+                          </m:r>
+                        </m:sup>
+                      </m:sSup>
+                      <m:sSup>
+                        <m:e>
+                          <m:r>
+                            <m:t>η</m:t>
+                          </m:r>
+                        </m:e>
+                        <m:sup>
+                          <m:r>
+                            <m:rPr>
+                              <m:sty m:val="p"/>
+                            </m:rPr>
+                            <m:t>−</m:t>
+                          </m:r>
+                          <m:r>
+                            <m:t>1</m:t>
+                          </m:r>
+                          <m:r>
+                            <m:rPr>
+                              <m:sty m:val="p"/>
+                            </m:rPr>
+                            <m:t>/</m:t>
+                          </m:r>
+                          <m:r>
+                            <m:t>6</m:t>
+                          </m:r>
+                        </m:sup>
+                      </m:sSup>
+                      <m:sSup>
+                        <m:e>
+                          <m:r>
+                            <m:t>a</m:t>
+                          </m:r>
+                        </m:e>
+                        <m:sup>
+                          <m:r>
+                            <m:t>5</m:t>
+                          </m:r>
+                          <m:r>
+                            <m:rPr>
+                              <m:sty m:val="p"/>
+                            </m:rPr>
+                            <m:t>/</m:t>
+                          </m:r>
+                          <m:r>
+                            <m:t>9</m:t>
+                          </m:r>
+                        </m:sup>
+                      </m:sSup>
+                    </m:oMath>
+                  </m:oMathPara>
+                </a14:m>
+              </a:p>
+              <a:p>
+                <a:pPr lvl="0" indent="0" marL="0">
+                  <a:buNone/>
+                </a:pPr>
+                <a:r>
+                  <a:rPr/>
+                  <a:t>and</a:t>
+                </a:r>
+              </a:p>
+              <a:p>
+                <a:pPr lvl="0" indent="0" marL="0">
+                  <a:buNone/>
+                </a:pPr>
+                <a14:m>
+                  <m:oMathPara xmlns:m="http://schemas.openxmlformats.org/officeDocument/2006/math">
+                    <m:oMathParaPr>
+                      <m:jc m:val="center"/>
+                    </m:oMathParaPr>
+                    <m:oMath>
+                      <m:sSub>
+                        <m:e>
+                          <m:r>
+                            <m:t>E</m:t>
+                          </m:r>
+                        </m:e>
+                        <m:sub>
+                          <m:r>
+                            <m:rPr>
+                              <m:sty m:val="p"/>
+                            </m:rPr>
+                            <m:t>s</m:t>
+                          </m:r>
+                          <m:r>
+                            <m:rPr>
+                              <m:sty m:val="p"/>
+                            </m:rPr>
+                            <m:t>i</m:t>
+                          </m:r>
+                          <m:r>
+                            <m:rPr>
+                              <m:sty m:val="p"/>
+                            </m:rPr>
+                            <m:t>n</m:t>
+                          </m:r>
+                        </m:sub>
+                      </m:sSub>
+                      <m:d>
+                        <m:dPr>
+                          <m:begChr m:val="("/>
+                          <m:sepChr m:val=""/>
+                          <m:endChr m:val=")"/>
+                          <m:grow/>
+                        </m:dPr>
+                        <m:e>
+                          <m:sSub>
+                            <m:e>
+                              <m:r>
+                                <m:t>k</m:t>
+                              </m:r>
+                            </m:e>
+                            <m:sub>
+                              <m:r>
+                                <m:rPr>
+                                  <m:sty m:val="p"/>
+                                </m:rPr>
+                                <m:t>⟂</m:t>
+                              </m:r>
+                            </m:sub>
+                          </m:sSub>
+                        </m:e>
+                      </m:d>
+                      <m:r>
+                        <m:rPr>
+                          <m:sty m:val="p"/>
+                        </m:rPr>
+                        <m:t>∝</m:t>
+                      </m:r>
+                      <m:sSubSup>
+                        <m:e>
+                          <m:r>
+                            <m:t>k</m:t>
+                          </m:r>
+                        </m:e>
+                        <m:sub>
+                          <m:r>
+                            <m:rPr>
+                              <m:sty m:val="p"/>
+                            </m:rPr>
+                            <m:t>⟂</m:t>
+                          </m:r>
+                        </m:sub>
+                        <m:sup>
+                          <m:r>
+                            <m:rPr>
+                              <m:sty m:val="p"/>
+                            </m:rPr>
+                            <m:t>−</m:t>
+                          </m:r>
+                          <m:r>
+                            <m:t>19</m:t>
+                          </m:r>
+                          <m:r>
+                            <m:rPr>
+                              <m:sty m:val="p"/>
+                            </m:rPr>
+                            <m:t>/</m:t>
+                          </m:r>
+                          <m:r>
+                            <m:t>9</m:t>
+                          </m:r>
+                        </m:sup>
+                      </m:sSubSup>
+                    </m:oMath>
+                  </m:oMathPara>
+                </a14:m>
+              </a:p>
+            </p:txBody>
+          </p:sp>
+        </mc:Choice>
+      </mc:AlternateContent>
+      <p:pic>
+        <p:nvPicPr>
+          <p:cNvPr descr="20250319134448.png" id="0" name="Picture 1"/>
+          <p:cNvPicPr>
+            <a:picLocks noGrp="1" noChangeAspect="1"/>
+          </p:cNvPicPr>
+          <p:nvPr/>
+        </p:nvPicPr>
+        <p:blipFill>
+          <a:blip r:embed="rId2"/>
+          <a:stretch>
+            <a:fillRect/>
+          </a:stretch>
+        </p:blipFill>
+        <p:spPr bwMode="auto">
+          <a:xfrm>
+            <a:off x="4699000" y="203200"/>
+            <a:ext cx="2844800" cy="3873500"/>
+          </a:xfrm>
+          <a:prstGeom prst="rect">
+            <a:avLst/>
+          </a:prstGeom>
+          <a:noFill/>
+          <a:ln w="9525">
+            <a:noFill/>
+            <a:headEnd/>
+            <a:tailEnd/>
+          </a:ln>
+        </p:spPr>
+      </p:pic>
+      <mc:AlternateContent xmlns:mc="http://schemas.openxmlformats.org/markup-compatibility/2006">
+        <mc:Choice xmlns:a14="http://schemas.microsoft.com/office/drawing/2010/main" Requires="a14">
+          <p:sp>
+            <p:nvSpPr>
+              <p:cNvPr id="1" name="TextBox 3"/>
+              <p:cNvSpPr txBox="1"/>
+              <p:nvPr/>
+            </p:nvSpPr>
+            <p:spPr>
+              <a:xfrm>
+                <a:off x="3568700" y="4076700"/>
+                <a:ext cx="5105400" cy="508000"/>
+              </a:xfrm>
+              <a:prstGeom prst="rect">
+                <a:avLst/>
+              </a:prstGeom>
+              <a:noFill/>
+            </p:spPr>
+            <p:txBody>
+              <a:bodyPr/>
+              <a:lstStyle/>
+              <a:p>
+                <a:pPr lvl="0" indent="0" marL="0" algn="ctr">
+                  <a:buNone/>
+                </a:pPr>
+                <a:r>
+                  <a:rPr/>
+                  <a:t>Sketch of the tearing-mode growth rate as a function of (</a:t>
+                </a:r>
+                <a14:m>
+                  <m:oMath xmlns:m="http://schemas.openxmlformats.org/officeDocument/2006/math">
+                    <m:sSub>
+                      <m:e>
+                        <m:r>
+                          <m:t>k</m:t>
+                        </m:r>
+                      </m:e>
+                      <m:sub>
+                        <m:r>
+                          <m:t>0</m:t>
+                        </m:r>
+                      </m:sub>
+                    </m:sSub>
+                    <m:r>
+                      <m:t>a</m:t>
+                    </m:r>
+                  </m:oMath>
+                </a14:m>
+                <a:r>
+                  <a:rPr/>
+                  <a:t>)</a:t>
+                </a:r>
+              </a:p>
+            </p:txBody>
+          </p:sp>
+        </mc:Choice>
+      </mc:AlternateContent>
+    </p:spTree>
+  </p:cSld>
+</p:sld>
+</file>
+
+<file path=ppt/slides/slide12.xml><?xml version="1.0" encoding="utf-8"?>
+<p:sld xmlns:a="http://schemas.openxmlformats.org/drawingml/2006/main" xmlns:r="http://schemas.openxmlformats.org/officeDocument/2006/relationships" xmlns:p="http://schemas.openxmlformats.org/presentationml/2006/main">
+  <p:cSld>
+    <p:spTree>
+      <p:nvGrpSpPr>
+        <p:cNvPr id="1" name=""/>
+        <p:cNvGrpSpPr/>
+        <p:nvPr/>
+      </p:nvGrpSpPr>
+      <p:grpSpPr>
+        <a:xfrm>
+          <a:off x="0" y="0"/>
+          <a:ext cx="0" cy="0"/>
+          <a:chOff x="0" y="0"/>
+          <a:chExt cx="0" cy="0"/>
+        </a:xfrm>
+      </p:grpSpPr>
+      <p:sp>
+        <p:nvSpPr>
+          <p:cNvPr id="2" name="Title 1"/>
+          <p:cNvSpPr>
+            <a:spLocks noGrp="1"/>
+          </p:cNvSpPr>
+          <p:nvPr>
+            <p:ph type="title"/>
+          </p:nvPr>
+        </p:nvSpPr>
+        <p:spPr/>
+        <p:txBody>
+          <a:bodyPr/>
+          <a:lstStyle/>
+          <a:p>
+            <a:pPr lvl="0" indent="0" marL="0">
+              <a:buNone/>
+            </a:pPr>
+            <a:r>
+              <a:rPr/>
               <a:t>Reconnection with multiple timescales</a:t>
             </a:r>
           </a:p>
@@ -3226,7 +4917,15 @@
                 </a:pPr>
                 <a:r>
                   <a:rPr/>
-                  <a:t>Alfred Mallet, Schekochihin, and Chandran (2017) A. Mallet, Schekochihin, and Chandran (2017)</a:t>
+                  <a:t>(</a:t>
+                </a:r>
+                <a:r>
+                  <a:rPr b="1"/>
+                  <a:t>malletDisruptionAlfvenicTurbulence2017?</a:t>
+                </a:r>
+                <a:r>
+                  <a:rPr/>
+                  <a:t>) Mallet, Schekochihin, and Chandran (2017)</a:t>
                 </a:r>
               </a:p>
               <a:p>
@@ -3344,8 +5043,8 @@
                           <m:d>
                             <m:dPr>
                               <m:begChr m:val="("/>
+                              <m:sepChr m:val=""/>
                               <m:endChr m:val=")"/>
-                              <m:sepChr m:val=""/>
                               <m:grow/>
                             </m:dPr>
                             <m:e>
@@ -3630,8 +5329,8 @@
                       <m:d>
                         <m:dPr>
                           <m:begChr m:val="{"/>
+                          <m:sepChr m:val=""/>
                           <m:endChr m:val=""/>
-                          <m:sepChr m:val=""/>
                           <m:grow/>
                         </m:dPr>
                         <m:e>
@@ -3665,8 +5364,8 @@
                                 <m:d>
                                   <m:dPr>
                                     <m:begChr m:val="["/>
+                                    <m:sepChr m:val=""/>
                                     <m:endChr m:val="]"/>
-                                    <m:sepChr m:val=""/>
                                     <m:grow/>
                                   </m:dPr>
                                   <m:e>
@@ -3896,280 +5595,100 @@
                   </m:oMathPara>
                 </a14:m>
               </a:p>
-              <a:p>
-                <a:pPr lvl="0" indent="0" marL="0">
-                  <a:buNone/>
-                </a:pPr>
-                <a:r>
-                  <a:rPr/>
-                  <a:t>Boldyrev, Stanislav. 2006. “Spectrum of Magnetohydrodynamic Turbulence.” </a:t>
-                </a:r>
-                <a:r>
-                  <a:rPr i="1"/>
-                  <a:t>Physical Review Letters</a:t>
-                </a:r>
-                <a:r>
-                  <a:rPr/>
-                  <a:t> 96 (11): 115002. </a:t>
-                </a:r>
-                <a:r>
-                  <a:rPr>
-                    <a:hlinkClick r:id="rId2"/>
-                  </a:rPr>
-                  <a:t>https://doi.org/10.1103/PhysRevLett.96.115002</a:t>
-                </a:r>
-                <a:r>
-                  <a:rPr/>
-                  <a:t>.</a:t>
-                </a:r>
-              </a:p>
-              <a:p>
-                <a:pPr lvl="0" indent="0" marL="0">
-                  <a:buNone/>
-                </a:pPr>
-                <a:r>
-                  <a:rPr/>
-                  <a:t>Boldyrev, Stanislav, and Nuno F. Loureiro. 2017. “Magnetohydrodynamic Turbulence Mediated by Reconnection.” </a:t>
-                </a:r>
-                <a:r>
-                  <a:rPr i="1"/>
-                  <a:t>Astrophysical Journal</a:t>
-                </a:r>
-                <a:r>
-                  <a:rPr/>
-                  <a:t> 844 (2): 125. </a:t>
-                </a:r>
-                <a:r>
-                  <a:rPr>
-                    <a:hlinkClick r:id="rId3"/>
-                  </a:rPr>
-                  <a:t>https://doi.org/10.3847/1538-4357/aa7d02</a:t>
-                </a:r>
-                <a:r>
-                  <a:rPr/>
-                  <a:t>.</a:t>
-                </a:r>
-              </a:p>
-              <a:p>
-                <a:pPr lvl="0" indent="0" marL="0">
-                  <a:buNone/>
-                </a:pPr>
-                <a:r>
-                  <a:rPr/>
-                  <a:t>———. 2018. “Calculations in the Theory of Tearing Instability.” </a:t>
-                </a:r>
-                <a:r>
-                  <a:rPr i="1"/>
-                  <a:t>Journal of Physics: Conference Series</a:t>
-                </a:r>
-                <a:r>
-                  <a:rPr/>
-                  <a:t> 1100 (1): 012003. </a:t>
-                </a:r>
-                <a:r>
-                  <a:rPr>
-                    <a:hlinkClick r:id="rId4"/>
-                  </a:rPr>
-                  <a:t>https://doi.org/10.1088/1742-6596/1100/1/012003</a:t>
-                </a:r>
-                <a:r>
-                  <a:rPr/>
-                  <a:t>.</a:t>
-                </a:r>
-              </a:p>
-              <a:p>
-                <a:pPr lvl="0" indent="0" marL="0">
-                  <a:buNone/>
-                </a:pPr>
-                <a:r>
-                  <a:rPr/>
-                  <a:t>———. 2020. “Tearing Instability in Alfvén and Kinetic-Alfvén Turbulence.” </a:t>
-                </a:r>
-                <a:r>
-                  <a:rPr i="1"/>
-                  <a:t>Journal of Geophysical Research: Space Physics</a:t>
-                </a:r>
-                <a:r>
-                  <a:rPr/>
-                  <a:t> 125 (9): e2020JA028185. </a:t>
-                </a:r>
-                <a:r>
-                  <a:rPr>
-                    <a:hlinkClick r:id="rId5"/>
-                  </a:rPr>
-                  <a:t>https://doi.org/10.1029/2020JA028185</a:t>
-                </a:r>
-                <a:r>
-                  <a:rPr/>
-                  <a:t>.</a:t>
-                </a:r>
-              </a:p>
-              <a:p>
-                <a:pPr lvl="0" indent="0" marL="0">
-                  <a:buNone/>
-                </a:pPr>
-                <a:r>
-                  <a:rPr/>
-                  <a:t>Goldreich, P., and S. Sridhar. 1995. “Toward a Theory of Interstellar Turbulence. II. Strong Alfvenic Turbulence.” </a:t>
-                </a:r>
-                <a:r>
-                  <a:rPr i="1"/>
-                  <a:t>Astrophysical Journal</a:t>
-                </a:r>
-                <a:r>
-                  <a:rPr/>
-                  <a:t> 438 (January): 763. </a:t>
-                </a:r>
-                <a:r>
-                  <a:rPr>
-                    <a:hlinkClick r:id="rId6"/>
-                  </a:rPr>
-                  <a:t>https://doi.org/10.1086/175121</a:t>
-                </a:r>
-                <a:r>
-                  <a:rPr/>
-                  <a:t>.</a:t>
-                </a:r>
-              </a:p>
-              <a:p>
-                <a:pPr lvl="0" indent="0" marL="0">
-                  <a:buNone/>
-                </a:pPr>
-                <a:r>
-                  <a:rPr/>
-                  <a:t>Kraichnan, Robert H. 1965. “Inertial-Range Spectrum of Hydromagnetic Turbulence.” </a:t>
-                </a:r>
-                <a:r>
-                  <a:rPr i="1"/>
-                  <a:t>Physics of Fluids</a:t>
-                </a:r>
-                <a:r>
-                  <a:rPr/>
-                  <a:t> 8 (7): 1385–87. </a:t>
-                </a:r>
-                <a:r>
-                  <a:rPr>
-                    <a:hlinkClick r:id="rId7"/>
-                  </a:rPr>
-                  <a:t>https://doi.org/10.1063/1.1761412</a:t>
-                </a:r>
-                <a:r>
-                  <a:rPr/>
-                  <a:t>.</a:t>
-                </a:r>
-              </a:p>
-              <a:p>
-                <a:pPr lvl="0" indent="0" marL="0">
-                  <a:buNone/>
-                </a:pPr>
-                <a:r>
-                  <a:rPr/>
-                  <a:t>Loureiro, Nuno F., and Stanislav Boldyrev. 2017a. “Role of Magnetic Reconnection in Magnetohydrodynamic Turbulence.” </a:t>
-                </a:r>
-                <a:r>
-                  <a:rPr i="1"/>
-                  <a:t>Physical Review Letters</a:t>
-                </a:r>
-                <a:r>
-                  <a:rPr/>
-                  <a:t> 118 (24): 245101. </a:t>
-                </a:r>
-                <a:r>
-                  <a:rPr>
-                    <a:hlinkClick r:id="rId8"/>
-                  </a:rPr>
-                  <a:t>https://doi.org/10.1103/PhysRevLett.118.245101</a:t>
-                </a:r>
-                <a:r>
-                  <a:rPr/>
-                  <a:t>.</a:t>
-                </a:r>
-              </a:p>
-              <a:p>
-                <a:pPr lvl="0" indent="0" marL="0">
-                  <a:buNone/>
-                </a:pPr>
-                <a:r>
-                  <a:rPr/>
-                  <a:t>———. 2017b. “Collisionless Reconnection in Magnetohydrodynamic and Kinetic Turbulence.” </a:t>
-                </a:r>
-                <a:r>
-                  <a:rPr i="1"/>
-                  <a:t>Astrophysical Journal</a:t>
-                </a:r>
-                <a:r>
-                  <a:rPr/>
-                  <a:t> 850 (2): 182. </a:t>
-                </a:r>
-                <a:r>
-                  <a:rPr>
-                    <a:hlinkClick r:id="rId9"/>
-                  </a:rPr>
-                  <a:t>https://doi.org/10.3847/1538-4357/aa9754</a:t>
-                </a:r>
-                <a:r>
-                  <a:rPr/>
-                  <a:t>.</a:t>
-                </a:r>
-              </a:p>
-              <a:p>
-                <a:pPr lvl="0" indent="0" marL="0">
-                  <a:buNone/>
-                </a:pPr>
-                <a:r>
-                  <a:rPr/>
-                  <a:t>Mallet, Alfred, Alexander A. Schekochihin, and Benjamin D. G. Chandran. 2017. “Disruption of Alfvénic Turbulence by Magnetic Reconnection in a Collisionless Plasma.” </a:t>
-                </a:r>
-                <a:r>
-                  <a:rPr i="1"/>
-                  <a:t>Journal of Plasma Physics</a:t>
-                </a:r>
-                <a:r>
-                  <a:rPr/>
-                  <a:t> 83 (6): 905830609. </a:t>
-                </a:r>
-                <a:r>
-                  <a:rPr>
-                    <a:hlinkClick r:id="rId10"/>
-                  </a:rPr>
-                  <a:t>https://doi.org/10.1017/S0022377817000812</a:t>
-                </a:r>
-                <a:r>
-                  <a:rPr/>
-                  <a:t>.</a:t>
-                </a:r>
-              </a:p>
-              <a:p>
-                <a:pPr lvl="0" indent="0" marL="0">
-                  <a:buNone/>
-                </a:pPr>
-                <a:r>
-                  <a:rPr/>
-                  <a:t>Mallet, A., A. A. Schekochihin, and B. D. G. Chandran. 2017. “Disruption of sheetlike structures in Alfv\’enic turbulence by magnetic reconnection.” </a:t>
-                </a:r>
-                <a:r>
-                  <a:rPr i="1"/>
-                  <a:t>Monthly Notices of the Royal Astronomical Society</a:t>
-                </a:r>
-                <a:r>
-                  <a:rPr/>
-                  <a:t> 468 (4): 4862–71. </a:t>
-                </a:r>
-                <a:r>
-                  <a:rPr>
-                    <a:hlinkClick r:id="rId11"/>
-                  </a:rPr>
-                  <a:t>https://doi.org/10.1093/mnras/stx670</a:t>
-                </a:r>
-                <a:r>
-                  <a:rPr/>
-                  <a:t>.</a:t>
-                </a:r>
-              </a:p>
             </p:txBody>
           </p:sp>
         </mc:Choice>
       </mc:AlternateContent>
+    </p:spTree>
+  </p:cSld>
+</p:sld>
+</file>
+
+<file path=ppt/slides/slide13.xml><?xml version="1.0" encoding="utf-8"?>
+<p:sld xmlns:a="http://schemas.openxmlformats.org/drawingml/2006/main" xmlns:r="http://schemas.openxmlformats.org/officeDocument/2006/relationships" xmlns:p="http://schemas.openxmlformats.org/presentationml/2006/main">
+  <p:cSld>
+    <p:spTree>
+      <p:nvGrpSpPr>
+        <p:cNvPr id="1" name=""/>
+        <p:cNvGrpSpPr/>
+        <p:nvPr/>
+      </p:nvGrpSpPr>
+      <p:grpSpPr>
+        <a:xfrm>
+          <a:off x="0" y="0"/>
+          <a:ext cx="0" cy="0"/>
+          <a:chOff x="0" y="0"/>
+          <a:chExt cx="0" cy="0"/>
+        </a:xfrm>
+      </p:grpSpPr>
+      <p:sp>
+        <p:nvSpPr>
+          <p:cNvPr id="2" name="Title 1"/>
+          <p:cNvSpPr>
+            <a:spLocks noGrp="1"/>
+          </p:cNvSpPr>
+          <p:nvPr>
+            <p:ph type="title"/>
+          </p:nvPr>
+        </p:nvSpPr>
+        <p:spPr/>
+        <p:txBody>
+          <a:bodyPr/>
+          <a:lstStyle/>
+          <a:p>
+            <a:pPr lvl="0" indent="0" marL="0">
+              <a:buNone/>
+            </a:pPr>
+            <a:r>
+              <a:rPr/>
+              <a:t>References</a:t>
+            </a:r>
+          </a:p>
+        </p:txBody>
+      </p:sp>
+      <p:sp>
+        <p:nvSpPr>
+          <p:cNvPr id="3" name="Content Placeholder 2"/>
+          <p:cNvSpPr>
+            <a:spLocks noGrp="1"/>
+          </p:cNvSpPr>
+          <p:nvPr>
+            <p:ph idx="1"/>
+          </p:nvPr>
+        </p:nvSpPr>
+        <p:spPr/>
+        <p:txBody>
+          <a:bodyPr/>
+          <a:lstStyle/>
+          <a:p>
+            <a:pPr lvl="0" indent="0" marL="0">
+              <a:buNone/>
+            </a:pPr>
+            <a:r>
+              <a:rPr/>
+              <a:t>Mallet, A., A. A. Schekochihin, and B. D. G. Chandran. 2017. “Disruption of sheetlike structures in Alfv\’enic turbulence by magnetic reconnection.” </a:t>
+            </a:r>
+            <a:r>
+              <a:rPr i="1"/>
+              <a:t>Monthly Notices of the Royal Astronomical Society</a:t>
+            </a:r>
+            <a:r>
+              <a:rPr/>
+              <a:t> 468 (4): 4862–71. </a:t>
+            </a:r>
+            <a:r>
+              <a:rPr>
+                <a:hlinkClick r:id="rId2"/>
+              </a:rPr>
+              <a:t>https://doi.org/10.1093/mnras/stx670</a:t>
+            </a:r>
+            <a:r>
+              <a:rPr/>
+              <a:t>.</a:t>
+            </a:r>
+          </a:p>
+        </p:txBody>
+      </p:sp>
     </p:spTree>
   </p:cSld>
 </p:sld>
@@ -4212,25 +5731,55 @@
             </a:pPr>
             <a:r>
               <a:rPr/>
-              <a:t>Boldyrev and Loureiro (2020) Loureiro and Boldyrev (2017a) Loureiro and Boldyrev (2017b) Alfred Mallet, Schekochihin, and Chandran (2017) A. Mallet, Schekochihin, and Chandran (2017) Boldyrev and Loureiro (2017) Boldyrev (2006)</a:t>
+              <a:t>(</a:t>
             </a:r>
-          </a:p>
-          <a:p>
-            <a:pPr lvl="0" indent="0" marL="0">
-              <a:buNone/>
-            </a:pPr>
+            <a:r>
+              <a:rPr b="1"/>
+              <a:t>boldyrevTearingInstabilityAlfven2020?</a:t>
+            </a:r>
             <a:r>
               <a:rPr/>
-              <a:t>This analysis predicts the existence of the subinertial, reconnection interval of MHD turbulence, with the estimated scaling of the Fourier energy spectrum E(k_{⊥})∝k-5/2, where k is the wave number perpendicular to the local mean magnetic field.</a:t>
+              <a:t>) (</a:t>
             </a:r>
-          </a:p>
-          <a:p>
-            <a:pPr lvl="0" indent="0" marL="0">
-              <a:buNone/>
-            </a:pPr>
+            <a:r>
+              <a:rPr b="1"/>
+              <a:t>loureiroRoleMagneticReconnection2017?</a:t>
+            </a:r>
             <a:r>
               <a:rPr/>
-              <a:t>Boldyrev and Loureiro (2018) : Calculations in the theory of tearing instability</a:t>
+              <a:t>) (</a:t>
+            </a:r>
+            <a:r>
+              <a:rPr b="1"/>
+              <a:t>loureiroCollisionlessReconnectionMagnetohydrodynamic2017?</a:t>
+            </a:r>
+            <a:r>
+              <a:rPr/>
+              <a:t>) (</a:t>
+            </a:r>
+            <a:r>
+              <a:rPr b="1"/>
+              <a:t>malletDisruptionAlfvenicTurbulence2017?</a:t>
+            </a:r>
+            <a:r>
+              <a:rPr/>
+              <a:t>) Mallet, Schekochihin, and Chandran (2017) (</a:t>
+            </a:r>
+            <a:r>
+              <a:rPr b="1"/>
+              <a:t>boldyrevMagnetohydrodynamicTurbulenceMediated2017?</a:t>
+            </a:r>
+            <a:r>
+              <a:rPr/>
+              <a:t>) (</a:t>
+            </a:r>
+            <a:r>
+              <a:rPr b="1"/>
+              <a:t>boldyrevSpectrumMagnetohydrodynamicTurbulence2006?</a:t>
+            </a:r>
+            <a:r>
+              <a:rPr/>
+              <a:t>)</a:t>
             </a:r>
           </a:p>
           <a:p>
@@ -4387,8 +5936,8 @@
                             <m:d>
                               <m:dPr>
                                 <m:begChr m:val="("/>
+                                <m:sepChr m:val=""/>
                                 <m:endChr m:val=")"/>
-                                <m:sepChr m:val=""/>
                                 <m:grow/>
                               </m:dPr>
                               <m:e>
@@ -4448,8 +5997,8 @@
                             <m:d>
                               <m:dPr>
                                 <m:begChr m:val="("/>
+                                <m:sepChr m:val=""/>
                                 <m:endChr m:val=")"/>
-                                <m:sepChr m:val=""/>
                                 <m:grow/>
                               </m:dPr>
                               <m:e>
@@ -4559,8 +6108,8 @@
                             <m:d>
                               <m:dPr>
                                 <m:begChr m:val="("/>
+                                <m:sepChr m:val=""/>
                                 <m:endChr m:val=")"/>
-                                <m:sepChr m:val=""/>
                                 <m:grow/>
                               </m:dPr>
                               <m:e>
@@ -4703,8 +6252,8 @@
                             <m:d>
                               <m:dPr>
                                 <m:begChr m:val="("/>
+                                <m:sepChr m:val=""/>
                                 <m:endChr m:val=")"/>
-                                <m:sepChr m:val=""/>
                                 <m:grow/>
                               </m:dPr>
                               <m:e>
@@ -4787,8 +6336,8 @@
                             <m:d>
                               <m:dPr>
                                 <m:begChr m:val="("/>
+                                <m:sepChr m:val=""/>
                                 <m:endChr m:val=")"/>
-                                <m:sepChr m:val=""/>
                                 <m:grow/>
                               </m:dPr>
                               <m:e>
@@ -4859,8 +6408,8 @@
                             <m:d>
                               <m:dPr>
                                 <m:begChr m:val="("/>
+                                <m:sepChr m:val=""/>
                                 <m:endChr m:val=")"/>
-                                <m:sepChr m:val=""/>
                                 <m:grow/>
                               </m:dPr>
                               <m:e>
@@ -4958,8 +6507,8 @@
                     <m:d>
                       <m:dPr>
                         <m:begChr m:val="("/>
+                        <m:sepChr m:val=""/>
                         <m:endChr m:val=")"/>
-                        <m:sepChr m:val=""/>
                         <m:grow/>
                       </m:dPr>
                       <m:e>
@@ -5031,8 +6580,8 @@
                     <m:d>
                       <m:dPr>
                         <m:begChr m:val="("/>
+                        <m:sepChr m:val=""/>
                         <m:endChr m:val=")"/>
-                        <m:sepChr m:val=""/>
                         <m:grow/>
                       </m:dPr>
                       <m:e>
@@ -5075,7 +6624,15 @@
                 </a14:m>
                 <a:r>
                   <a:rPr/>
-                  <a:t> (Kraichnan 1965)</a:t>
+                  <a:t> (</a:t>
+                </a:r>
+                <a:r>
+                  <a:rPr b="1"/>
+                  <a:t>kraichnanInertialrangeSpectrumHydromagnetic1965?</a:t>
+                </a:r>
+                <a:r>
+                  <a:rPr/>
+                  <a:t>)</a:t>
                 </a:r>
               </a:p>
               <a:p>
@@ -5106,8 +6663,8 @@
                       <m:d>
                         <m:dPr>
                           <m:begChr m:val="("/>
+                          <m:sepChr m:val=""/>
                           <m:endChr m:val=")"/>
-                          <m:sepChr m:val=""/>
                           <m:grow/>
                         </m:dPr>
                         <m:e>
@@ -5125,8 +6682,8 @@
                       <m:d>
                         <m:dPr>
                           <m:begChr m:val="⟨"/>
+                          <m:sepChr m:val=""/>
                           <m:endChr m:val="⟩"/>
-                          <m:sepChr m:val=""/>
                           <m:grow/>
                         </m:dPr>
                         <m:e>
@@ -5135,8 +6692,8 @@
                               <m:d>
                                 <m:dPr>
                                   <m:begChr m:val="|"/>
+                                  <m:sepChr m:val=""/>
                                   <m:endChr m:val="|"/>
-                                  <m:sepChr m:val=""/>
                                   <m:grow/>
                                 </m:dPr>
                                 <m:e>
@@ -5152,8 +6709,8 @@
                                   <m:d>
                                     <m:dPr>
                                       <m:begChr m:val="("/>
+                                      <m:sepChr m:val=""/>
                                       <m:endChr m:val=")"/>
-                                      <m:sepChr m:val=""/>
                                       <m:grow/>
                                     </m:dPr>
                                     <m:e>
@@ -5235,7 +6792,15 @@
                 <a:pPr lvl="0"/>
                 <a:r>
                   <a:rPr/>
-                  <a:t>Goldreich &amp; Sridhar (1995, 1997): Introduced anisotropic cascade ideas and scaling predictions for strong Alfvénic turbulence. (Goldreich and Sridhar 1995)</a:t>
+                  <a:t>Goldreich &amp; Sridhar (1995, 1997): Introduced anisotropic cascade ideas and scaling predictions for strong Alfvénic turbulence. (</a:t>
+                </a:r>
+                <a:r>
+                  <a:rPr b="1"/>
+                  <a:t>goldreichTheoryInterstellarTurbulence1995?</a:t>
+                </a:r>
+                <a:r>
+                  <a:rPr/>
+                  <a:t>)</a:t>
                 </a:r>
               </a:p>
               <a:p>
@@ -5266,8 +6831,8 @@
                       <m:d>
                         <m:dPr>
                           <m:begChr m:val="("/>
+                          <m:sepChr m:val=""/>
                           <m:endChr m:val=")"/>
-                          <m:sepChr m:val=""/>
                           <m:grow/>
                         </m:dPr>
                         <m:e>
@@ -5282,7 +6847,7 @@
                                 <m:rPr>
                                   <m:sty m:val="p"/>
                                 </m:rPr>
-                                <m:t>⊥</m:t>
+                                <m:t>⟂</m:t>
                               </m:r>
                             </m:sub>
                           </m:sSub>
@@ -5297,8 +6862,8 @@
                       <m:d>
                         <m:dPr>
                           <m:begChr m:val="⟨"/>
+                          <m:sepChr m:val=""/>
                           <m:endChr m:val="⟩"/>
-                          <m:sepChr m:val=""/>
                           <m:grow/>
                         </m:dPr>
                         <m:e>
@@ -5307,8 +6872,8 @@
                               <m:d>
                                 <m:dPr>
                                   <m:begChr m:val="|"/>
+                                  <m:sepChr m:val=""/>
                                   <m:endChr m:val="|"/>
-                                  <m:sepChr m:val=""/>
                                   <m:grow/>
                                 </m:dPr>
                                 <m:e>
@@ -5324,8 +6889,8 @@
                                   <m:d>
                                     <m:dPr>
                                       <m:begChr m:val="("/>
+                                      <m:sepChr m:val=""/>
                                       <m:endChr m:val=")"/>
-                                      <m:sepChr m:val=""/>
                                       <m:grow/>
                                     </m:dPr>
                                     <m:e>
@@ -5340,7 +6905,7 @@
                                             <m:rPr>
                                               <m:sty m:val="p"/>
                                             </m:rPr>
-                                            <m:t>⊥</m:t>
+                                            <m:t>⟂</m:t>
                                           </m:r>
                                         </m:sub>
                                       </m:sSub>
@@ -5368,7 +6933,7 @@
                             <m:rPr>
                               <m:sty m:val="p"/>
                             </m:rPr>
-                            <m:t>⊥</m:t>
+                            <m:t>⟂</m:t>
                           </m:r>
                         </m:sub>
                       </m:sSub>
@@ -5389,7 +6954,7 @@
                             <m:rPr>
                               <m:sty m:val="p"/>
                             </m:rPr>
-                            <m:t>⊥</m:t>
+                            <m:t>⟂</m:t>
                           </m:r>
                         </m:sub>
                         <m:sup>
@@ -5421,7 +6986,15 @@
                 <a:pPr lvl="0"/>
                 <a:r>
                   <a:rPr/>
-                  <a:t>Boldyrev (2006): Modifications, incorporating dynamic alignment effects. Eddies are also anisotropic in the plane perpendicular to the local magnetic field. (Boldyrev 2006)</a:t>
+                  <a:t>Boldyrev (2006): Modifications, incorporating dynamic alignment effects. Eddies are also anisotropic in the plane perpendicular to the local magnetic field. (</a:t>
+                </a:r>
+                <a:r>
+                  <a:rPr b="1"/>
+                  <a:t>boldyrevSpectrumMagnetohydrodynamicTurbulence2006?</a:t>
+                </a:r>
+                <a:r>
+                  <a:rPr/>
+                  <a:t>)</a:t>
                 </a:r>
               </a:p>
             </p:txBody>
@@ -5593,8 +7166,8 @@
                                 <m:d>
                                   <m:dPr>
                                     <m:begChr m:val="("/>
+                                    <m:sepChr m:val=""/>
                                     <m:endChr m:val=")"/>
-                                    <m:sepChr m:val=""/>
                                     <m:grow/>
                                   </m:dPr>
                                   <m:e>
@@ -5660,8 +7233,8 @@
                                 <m:d>
                                   <m:dPr>
                                     <m:begChr m:val="("/>
+                                    <m:sepChr m:val=""/>
                                     <m:endChr m:val=")"/>
-                                    <m:sepChr m:val=""/>
                                     <m:grow/>
                                   </m:dPr>
                                   <m:e>
@@ -5742,8 +7315,8 @@
                                 <m:d>
                                   <m:dPr>
                                     <m:begChr m:val="("/>
+                                    <m:sepChr m:val=""/>
                                     <m:endChr m:val=")"/>
-                                    <m:sepChr m:val=""/>
                                     <m:grow/>
                                   </m:dPr>
                                   <m:e>
@@ -5824,8 +7397,8 @@
                                 <m:d>
                                   <m:dPr>
                                     <m:begChr m:val="("/>
+                                    <m:sepChr m:val=""/>
                                     <m:endChr m:val=")"/>
-                                    <m:sepChr m:val=""/>
                                     <m:grow/>
                                   </m:dPr>
                                   <m:e>
@@ -6053,8 +7626,8 @@
                                 <m:d>
                                   <m:dPr>
                                     <m:begChr m:val="("/>
+                                    <m:sepChr m:val=""/>
                                     <m:endChr m:val=")"/>
-                                    <m:sepChr m:val=""/>
                                     <m:grow/>
                                   </m:dPr>
                                   <m:e>
@@ -6163,8 +7736,8 @@
                           <m:d>
                             <m:dPr>
                               <m:begChr m:val="("/>
+                              <m:sepChr m:val=""/>
                               <m:endChr m:val=")"/>
-                              <m:sepChr m:val=""/>
                               <m:grow/>
                             </m:dPr>
                             <m:e>
@@ -6504,8 +8077,8 @@
                       <m:d>
                         <m:dPr>
                           <m:begChr m:val="("/>
+                          <m:sepChr m:val=""/>
                           <m:endChr m:val=")"/>
-                          <m:sepChr m:val=""/>
                           <m:grow/>
                         </m:dPr>
                         <m:e>
@@ -6732,18 +8305,73 @@
                   <a:t>, the most unstable mode in the current sheet is an FKR mode; if the opposite is true,</a:t>
                 </a:r>
               </a:p>
-              <a:p>
-                <a:pPr lvl="0" indent="0" marL="0">
-                  <a:spcBef>
-                    <a:spcPts val="3000"/>
-                  </a:spcBef>
-                  <a:buNone/>
-                </a:pPr>
-                <a:r>
-                  <a:rPr b="1"/>
-                  <a:t>FKR regime</a:t>
-                </a:r>
-              </a:p>
+            </p:txBody>
+          </p:sp>
+        </mc:Choice>
+      </mc:AlternateContent>
+    </p:spTree>
+  </p:cSld>
+</p:sld>
+</file>
+
+<file path=ppt/slides/slide7.xml><?xml version="1.0" encoding="utf-8"?>
+<p:sld xmlns:a="http://schemas.openxmlformats.org/drawingml/2006/main" xmlns:r="http://schemas.openxmlformats.org/officeDocument/2006/relationships" xmlns:p="http://schemas.openxmlformats.org/presentationml/2006/main">
+  <p:cSld>
+    <p:spTree>
+      <p:nvGrpSpPr>
+        <p:cNvPr id="1" name=""/>
+        <p:cNvGrpSpPr/>
+        <p:nvPr/>
+      </p:nvGrpSpPr>
+      <p:grpSpPr>
+        <a:xfrm>
+          <a:off x="0" y="0"/>
+          <a:ext cx="0" cy="0"/>
+          <a:chOff x="0" y="0"/>
+          <a:chExt cx="0" cy="0"/>
+        </a:xfrm>
+      </p:grpSpPr>
+      <p:sp>
+        <p:nvSpPr>
+          <p:cNvPr id="2" name="Title 1"/>
+          <p:cNvSpPr>
+            <a:spLocks noGrp="1"/>
+          </p:cNvSpPr>
+          <p:nvPr>
+            <p:ph type="title"/>
+          </p:nvPr>
+        </p:nvSpPr>
+        <p:spPr/>
+        <p:txBody>
+          <a:bodyPr/>
+          <a:lstStyle/>
+          <a:p>
+            <a:pPr lvl="0" indent="0" marL="0">
+              <a:buNone/>
+            </a:pPr>
+            <a:r>
+              <a:rPr/>
+              <a:t>Tearing instability (FKR regime)</a:t>
+            </a:r>
+          </a:p>
+        </p:txBody>
+      </p:sp>
+      <mc:AlternateContent xmlns:mc="http://schemas.openxmlformats.org/markup-compatibility/2006">
+        <mc:Choice xmlns:a14="http://schemas.microsoft.com/office/drawing/2010/main" Requires="a14">
+          <p:sp>
+            <p:nvSpPr>
+              <p:cNvPr id="3" name="Content Placeholder 2"/>
+              <p:cNvSpPr>
+                <a:spLocks noGrp="1"/>
+              </p:cNvSpPr>
+              <p:nvPr>
+                <p:ph idx="1"/>
+              </p:nvPr>
+            </p:nvSpPr>
+            <p:spPr/>
+            <p:txBody>
+              <a:bodyPr/>
+              <a:lstStyle/>
               <a:p>
                 <a:pPr lvl="0" indent="0" marL="0">
                   <a:buNone/>
@@ -7145,18 +8773,73 @@
                   <a:t>, but rather Coppi modes.</a:t>
                 </a:r>
               </a:p>
-              <a:p>
-                <a:pPr lvl="0" indent="0" marL="0">
-                  <a:spcBef>
-                    <a:spcPts val="3000"/>
-                  </a:spcBef>
-                  <a:buNone/>
-                </a:pPr>
-                <a:r>
-                  <a:rPr b="1"/>
-                  <a:t>Coppi regime</a:t>
-                </a:r>
-              </a:p>
+            </p:txBody>
+          </p:sp>
+        </mc:Choice>
+      </mc:AlternateContent>
+    </p:spTree>
+  </p:cSld>
+</p:sld>
+</file>
+
+<file path=ppt/slides/slide8.xml><?xml version="1.0" encoding="utf-8"?>
+<p:sld xmlns:a="http://schemas.openxmlformats.org/drawingml/2006/main" xmlns:r="http://schemas.openxmlformats.org/officeDocument/2006/relationships" xmlns:p="http://schemas.openxmlformats.org/presentationml/2006/main">
+  <p:cSld>
+    <p:spTree>
+      <p:nvGrpSpPr>
+        <p:cNvPr id="1" name=""/>
+        <p:cNvGrpSpPr/>
+        <p:nvPr/>
+      </p:nvGrpSpPr>
+      <p:grpSpPr>
+        <a:xfrm>
+          <a:off x="0" y="0"/>
+          <a:ext cx="0" cy="0"/>
+          <a:chOff x="0" y="0"/>
+          <a:chExt cx="0" cy="0"/>
+        </a:xfrm>
+      </p:grpSpPr>
+      <p:sp>
+        <p:nvSpPr>
+          <p:cNvPr id="2" name="Title 1"/>
+          <p:cNvSpPr>
+            <a:spLocks noGrp="1"/>
+          </p:cNvSpPr>
+          <p:nvPr>
+            <p:ph type="title"/>
+          </p:nvPr>
+        </p:nvSpPr>
+        <p:spPr/>
+        <p:txBody>
+          <a:bodyPr/>
+          <a:lstStyle/>
+          <a:p>
+            <a:pPr lvl="0" indent="0" marL="0">
+              <a:buNone/>
+            </a:pPr>
+            <a:r>
+              <a:rPr/>
+              <a:t>Tearing instability (Coppi regime)</a:t>
+            </a:r>
+          </a:p>
+        </p:txBody>
+      </p:sp>
+      <mc:AlternateContent xmlns:mc="http://schemas.openxmlformats.org/markup-compatibility/2006">
+        <mc:Choice xmlns:a14="http://schemas.microsoft.com/office/drawing/2010/main" Requires="a14">
+          <p:sp>
+            <p:nvSpPr>
+              <p:cNvPr id="3" name="Content Placeholder 2"/>
+              <p:cNvSpPr>
+                <a:spLocks noGrp="1"/>
+              </p:cNvSpPr>
+              <p:nvPr>
+                <p:ph idx="1"/>
+              </p:nvPr>
+            </p:nvSpPr>
+            <p:spPr/>
+            <p:txBody>
+              <a:bodyPr/>
+              <a:lstStyle/>
               <a:p>
                 <a:pPr lvl="0" indent="0" marL="0">
                   <a:buNone/>
@@ -7600,7 +9283,7 @@
 </p:sld>
 </file>
 
-<file path=ppt/slides/slide7.xml><?xml version="1.0" encoding="utf-8"?>
+<file path=ppt/slides/slide9.xml><?xml version="1.0" encoding="utf-8"?>
 <p:sld xmlns:a="http://schemas.openxmlformats.org/drawingml/2006/main" xmlns:r="http://schemas.openxmlformats.org/officeDocument/2006/relationships" xmlns:p="http://schemas.openxmlformats.org/presentationml/2006/main">
   <p:cSld>
     <p:spTree>
@@ -7723,8 +9406,8 @@
                     <m:d>
                       <m:dPr>
                         <m:begChr m:val="["/>
+                        <m:sepChr m:val=""/>
                         <m:endChr m:val="]"/>
-                        <m:sepChr m:val=""/>
                         <m:grow/>
                       </m:dPr>
                       <m:e>
@@ -8445,1252 +10128,6 @@
                     </m:oMath>
                   </m:oMathPara>
                 </a14:m>
-              </a:p>
-            </p:txBody>
-          </p:sp>
-        </mc:Choice>
-      </mc:AlternateContent>
-    </p:spTree>
-  </p:cSld>
-</p:sld>
-</file>
-
-<file path=ppt/slides/slide8.xml><?xml version="1.0" encoding="utf-8"?>
-<p:sld xmlns:a="http://schemas.openxmlformats.org/drawingml/2006/main" xmlns:r="http://schemas.openxmlformats.org/officeDocument/2006/relationships" xmlns:p="http://schemas.openxmlformats.org/presentationml/2006/main">
-  <p:cSld>
-    <p:spTree>
-      <p:nvGrpSpPr>
-        <p:cNvPr id="1" name=""/>
-        <p:cNvGrpSpPr/>
-        <p:nvPr/>
-      </p:nvGrpSpPr>
-      <p:grpSpPr>
-        <a:xfrm>
-          <a:off x="0" y="0"/>
-          <a:ext cx="0" cy="0"/>
-          <a:chOff x="0" y="0"/>
-          <a:chExt cx="0" cy="0"/>
-        </a:xfrm>
-      </p:grpSpPr>
-      <p:sp>
-        <p:nvSpPr>
-          <p:cNvPr id="2" name="Title 1"/>
-          <p:cNvSpPr>
-            <a:spLocks noGrp="1"/>
-          </p:cNvSpPr>
-          <p:nvPr>
-            <p:ph type="title"/>
-          </p:nvPr>
-        </p:nvSpPr>
-        <p:spPr/>
-        <p:txBody>
-          <a:bodyPr/>
-          <a:lstStyle/>
-          <a:p>
-            <a:pPr lvl="0" indent="0" marL="0">
-              <a:buNone/>
-            </a:pPr>
-            <a:r>
-              <a:rPr/>
-              <a:t>Spectrum of turbulence below the reconnection scale</a:t>
-            </a:r>
-          </a:p>
-        </p:txBody>
-      </p:sp>
-      <p:pic>
-        <p:nvPicPr>
-          <p:cNvPr descr="20250319133039.png" id="0" name="Picture 1"/>
-          <p:cNvPicPr>
-            <a:picLocks noGrp="1" noChangeAspect="1"/>
-          </p:cNvPicPr>
-          <p:nvPr/>
-        </p:nvPicPr>
-        <p:blipFill>
-          <a:blip r:embed="rId2"/>
-          <a:stretch>
-            <a:fillRect/>
-          </a:stretch>
-        </p:blipFill>
-        <p:spPr bwMode="auto">
-          <a:xfrm>
-            <a:off x="1955800" y="1193800"/>
-            <a:ext cx="5245100" cy="2882900"/>
-          </a:xfrm>
-          <a:prstGeom prst="rect">
-            <a:avLst/>
-          </a:prstGeom>
-          <a:noFill/>
-          <a:ln w="9525">
-            <a:noFill/>
-            <a:headEnd/>
-            <a:tailEnd/>
-          </a:ln>
-        </p:spPr>
-      </p:pic>
-      <p:sp>
-        <p:nvSpPr>
-          <p:cNvPr id="1" name="TextBox 3"/>
-          <p:cNvSpPr txBox="1"/>
-          <p:nvPr/>
-        </p:nvSpPr>
-        <p:spPr>
-          <a:xfrm>
-            <a:off x="457200" y="4076700"/>
-            <a:ext cx="8229600" cy="508000"/>
-          </a:xfrm>
-          <a:prstGeom prst="rect">
-            <a:avLst/>
-          </a:prstGeom>
-          <a:noFill/>
-        </p:spPr>
-        <p:txBody>
-          <a:bodyPr/>
-          <a:lstStyle/>
-          <a:p>
-            <a:pPr lvl="0" indent="0" marL="0" algn="ctr">
-              <a:buNone/>
-            </a:pPr>
-            <a:r>
-              <a:rPr/>
-              <a:t>Sketch of the Fourier energy spectrum (log-log scale)</a:t>
-            </a:r>
-          </a:p>
-        </p:txBody>
-      </p:sp>
-      <mc:AlternateContent xmlns:mc="http://schemas.openxmlformats.org/markup-compatibility/2006">
-        <mc:Choice xmlns:a14="http://schemas.microsoft.com/office/drawing/2010/main" Requires="a14">
-          <p:sp>
-            <p:nvSpPr>
-              <p:cNvPr id="3" name="Content Placeholder 2"/>
-              <p:cNvSpPr>
-                <a:spLocks noGrp="1"/>
-              </p:cNvSpPr>
-              <p:nvPr>
-                <p:ph idx="1"/>
-              </p:nvPr>
-            </p:nvSpPr>
-            <p:spPr/>
-            <p:txBody>
-              <a:bodyPr/>
-              <a:lstStyle/>
-              <a:p>
-                <a:pPr lvl="0" indent="0" marL="1270000">
-                  <a:buNone/>
-                </a:pPr>
-                <a:r>
-                  <a:rPr sz="2000"/>
-                  <a:t>These critical current sheets are the structures where ohmic and viscous dissipation is happening. It is reasonable to assume that Eq. (18) sets the dissipation scale, that is, the scale below which the reconnection interval is ultimately terminated by the dissipation. Assuming that the energy spectrum in this interval follows a power law, we write it in the form</a:t>
-                </a:r>
-              </a:p>
-              <a:p>
-                <a:pPr lvl="0" indent="0" marL="0">
-                  <a:buNone/>
-                </a:pPr>
-                <a14:m>
-                  <m:oMathPara xmlns:m="http://schemas.openxmlformats.org/officeDocument/2006/math">
-                    <m:oMathParaPr>
-                      <m:jc m:val="center"/>
-                    </m:oMathParaPr>
-                    <m:oMath>
-                      <m:r>
-                        <m:t>E</m:t>
-                      </m:r>
-                      <m:d>
-                        <m:dPr>
-                          <m:begChr m:val="("/>
-                          <m:endChr m:val=")"/>
-                          <m:sepChr m:val=""/>
-                          <m:grow/>
-                        </m:dPr>
-                        <m:e>
-                          <m:sSub>
-                            <m:e>
-                              <m:r>
-                                <m:t>k</m:t>
-                              </m:r>
-                            </m:e>
-                            <m:sub>
-                              <m:r>
-                                <m:rPr>
-                                  <m:sty m:val="p"/>
-                                </m:rPr>
-                                <m:t>⊥</m:t>
-                              </m:r>
-                            </m:sub>
-                          </m:sSub>
-                        </m:e>
-                      </m:d>
-                      <m:r>
-                        <m:rPr>
-                          <m:sty m:val="p"/>
-                        </m:rPr>
-                        <m:t>∝</m:t>
-                      </m:r>
-                      <m:sSubSup>
-                        <m:e>
-                          <m:r>
-                            <m:t>k</m:t>
-                          </m:r>
-                        </m:e>
-                        <m:sub>
-                          <m:r>
-                            <m:t>0</m:t>
-                          </m:r>
-                        </m:sub>
-                        <m:sup>
-                          <m:r>
-                            <m:rPr>
-                              <m:sty m:val="p"/>
-                            </m:rPr>
-                            <m:t>−</m:t>
-                          </m:r>
-                          <m:r>
-                            <m:t>3</m:t>
-                          </m:r>
-                          <m:r>
-                            <m:rPr>
-                              <m:sty m:val="p"/>
-                            </m:rPr>
-                            <m:t>/</m:t>
-                          </m:r>
-                          <m:r>
-                            <m:t>2</m:t>
-                          </m:r>
-                        </m:sup>
-                      </m:sSubSup>
-                      <m:sSup>
-                        <m:e>
-                          <m:d>
-                            <m:dPr>
-                              <m:begChr m:val="("/>
-                              <m:endChr m:val=")"/>
-                              <m:sepChr m:val=""/>
-                              <m:grow/>
-                            </m:dPr>
-                            <m:e>
-                              <m:sSub>
-                                <m:e>
-                                  <m:r>
-                                    <m:t>k</m:t>
-                                  </m:r>
-                                </m:e>
-                                <m:sub>
-                                  <m:r>
-                                    <m:rPr>
-                                      <m:sty m:val="p"/>
-                                    </m:rPr>
-                                    <m:t>⊥</m:t>
-                                  </m:r>
-                                </m:sub>
-                              </m:sSub>
-                              <m:r>
-                                <m:rPr>
-                                  <m:sty m:val="p"/>
-                                </m:rPr>
-                                <m:t>/</m:t>
-                              </m:r>
-                              <m:sSub>
-                                <m:e>
-                                  <m:r>
-                                    <m:t>k</m:t>
-                                  </m:r>
-                                </m:e>
-                                <m:sub>
-                                  <m:r>
-                                    <m:t>0</m:t>
-                                  </m:r>
-                                </m:sub>
-                              </m:sSub>
-                            </m:e>
-                          </m:d>
-                        </m:e>
-                        <m:sup>
-                          <m:r>
-                            <m:rPr>
-                              <m:sty m:val="p"/>
-                            </m:rPr>
-                            <m:t>−</m:t>
-                          </m:r>
-                          <m:r>
-                            <m:t>α</m:t>
-                          </m:r>
-                        </m:sup>
-                      </m:sSup>
-                    </m:oMath>
-                  </m:oMathPara>
-                </a14:m>
-              </a:p>
-              <a:p>
-                <a:pPr lvl="0" indent="0" marL="0">
-                  <a:buNone/>
-                </a:pPr>
-                <a14:m>
-                  <m:oMathPara xmlns:m="http://schemas.openxmlformats.org/officeDocument/2006/math">
-                    <m:oMathParaPr>
-                      <m:jc m:val="center"/>
-                    </m:oMathParaPr>
-                    <m:oMath>
-                      <m:r>
-                        <m:rPr>
-                          <m:sty m:val="p"/>
-                        </m:rPr>
-                        <m:t>−</m:t>
-                      </m:r>
-                      <m:f>
-                        <m:fPr>
-                          <m:type m:val="bar"/>
-                        </m:fPr>
-                        <m:num>
-                          <m:r>
-                            <m:t>d</m:t>
-                          </m:r>
-                          <m:r>
-                            <m:t>E</m:t>
-                          </m:r>
-                        </m:num>
-                        <m:den>
-                          <m:r>
-                            <m:t>d</m:t>
-                          </m:r>
-                          <m:r>
-                            <m:t>t</m:t>
-                          </m:r>
-                        </m:den>
-                      </m:f>
-                      <m:r>
-                        <m:rPr>
-                          <m:sty m:val="p"/>
-                        </m:rPr>
-                        <m:t>=</m:t>
-                      </m:r>
-                      <m:r>
-                        <m:t>η</m:t>
-                      </m:r>
-                      <m:nary>
-                        <m:naryPr>
-                          <m:chr m:val="∫"/>
-                          <m:limLoc m:val="subSup"/>
-                          <m:subHide m:val="on"/>
-                          <m:supHide m:val="off"/>
-                        </m:naryPr>
-                        <m:sub>
-                          <m:r>
-                            <m:t>​</m:t>
-                          </m:r>
-                        </m:sub>
-                        <m:sup>
-                          <m:sSub>
-                            <m:e>
-                              <m:r>
-                                <m:t>k</m:t>
-                              </m:r>
-                            </m:e>
-                            <m:sub>
-                              <m:r>
-                                <m:rPr>
-                                  <m:sty m:val="p"/>
-                                </m:rPr>
-                                <m:t>*</m:t>
-                              </m:r>
-                            </m:sub>
-                          </m:sSub>
-                        </m:sup>
-                        <m:e>
-                          <m:sSubSup>
-                            <m:e>
-                              <m:r>
-                                <m:t>k</m:t>
-                              </m:r>
-                            </m:e>
-                            <m:sub>
-                              <m:r>
-                                <m:rPr>
-                                  <m:sty m:val="p"/>
-                                </m:rPr>
-                                <m:t>⊥</m:t>
-                              </m:r>
-                            </m:sub>
-                            <m:sup>
-                              <m:r>
-                                <m:t>2</m:t>
-                              </m:r>
-                            </m:sup>
-                          </m:sSubSup>
-                        </m:e>
-                      </m:nary>
-                      <m:r>
-                        <m:t>E</m:t>
-                      </m:r>
-                      <m:d>
-                        <m:dPr>
-                          <m:begChr m:val="("/>
-                          <m:endChr m:val=")"/>
-                          <m:sepChr m:val=""/>
-                          <m:grow/>
-                        </m:dPr>
-                        <m:e>
-                          <m:sSub>
-                            <m:e>
-                              <m:r>
-                                <m:t>k</m:t>
-                              </m:r>
-                            </m:e>
-                            <m:sub>
-                              <m:r>
-                                <m:rPr>
-                                  <m:sty m:val="p"/>
-                                </m:rPr>
-                                <m:t>⊥</m:t>
-                              </m:r>
-                            </m:sub>
-                          </m:sSub>
-                        </m:e>
-                      </m:d>
-                      <m:r>
-                        <m:t>d</m:t>
-                      </m:r>
-                      <m:sSub>
-                        <m:e>
-                          <m:r>
-                            <m:t>k</m:t>
-                          </m:r>
-                        </m:e>
-                        <m:sub>
-                          <m:r>
-                            <m:rPr>
-                              <m:sty m:val="p"/>
-                            </m:rPr>
-                            <m:t>⊥</m:t>
-                          </m:r>
-                        </m:sub>
-                      </m:sSub>
-                      <m:r>
-                        <m:rPr>
-                          <m:sty m:val="p"/>
-                        </m:rPr>
-                        <m:t>∝</m:t>
-                      </m:r>
-                      <m:sSubSup>
-                        <m:e>
-                          <m:r>
-                            <m:t>S</m:t>
-                          </m:r>
-                        </m:e>
-                        <m:sub>
-                          <m:r>
-                            <m:t>L</m:t>
-                          </m:r>
-                        </m:sub>
-                        <m:sup>
-                          <m:f>
-                            <m:fPr>
-                              <m:type m:val="bar"/>
-                            </m:fPr>
-                            <m:num>
-                              <m:r>
-                                <m:t>4</m:t>
-                              </m:r>
-                            </m:num>
-                            <m:den>
-                              <m:r>
-                                <m:t>7</m:t>
-                              </m:r>
-                            </m:den>
-                          </m:f>
-                          <m:d>
-                            <m:dPr>
-                              <m:begChr m:val="("/>
-                              <m:endChr m:val=")"/>
-                              <m:sepChr m:val=""/>
-                              <m:grow/>
-                            </m:dPr>
-                            <m:e>
-                              <m:r>
-                                <m:rPr>
-                                  <m:sty m:val="p"/>
-                                </m:rPr>
-                                <m:t>−</m:t>
-                              </m:r>
-                              <m:f>
-                                <m:fPr>
-                                  <m:type m:val="bar"/>
-                                </m:fPr>
-                                <m:num>
-                                  <m:r>
-                                    <m:t>3</m:t>
-                                  </m:r>
-                                </m:num>
-                                <m:den>
-                                  <m:r>
-                                    <m:t>2</m:t>
-                                  </m:r>
-                                </m:den>
-                              </m:f>
-                              <m:r>
-                                <m:rPr>
-                                  <m:sty m:val="p"/>
-                                </m:rPr>
-                                <m:t>+</m:t>
-                              </m:r>
-                              <m:r>
-                                <m:t>α</m:t>
-                              </m:r>
-                            </m:e>
-                          </m:d>
-                          <m:r>
-                            <m:rPr>
-                              <m:sty m:val="p"/>
-                            </m:rPr>
-                            <m:t>+</m:t>
-                          </m:r>
-                          <m:f>
-                            <m:fPr>
-                              <m:type m:val="bar"/>
-                            </m:fPr>
-                            <m:num>
-                              <m:r>
-                                <m:t>6</m:t>
-                              </m:r>
-                            </m:num>
-                            <m:den>
-                              <m:r>
-                                <m:t>7</m:t>
-                              </m:r>
-                            </m:den>
-                          </m:f>
-                          <m:d>
-                            <m:dPr>
-                              <m:begChr m:val="("/>
-                              <m:endChr m:val=")"/>
-                              <m:sepChr m:val=""/>
-                              <m:grow/>
-                            </m:dPr>
-                            <m:e>
-                              <m:r>
-                                <m:t>3</m:t>
-                              </m:r>
-                              <m:r>
-                                <m:rPr>
-                                  <m:sty m:val="p"/>
-                                </m:rPr>
-                                <m:t>−</m:t>
-                              </m:r>
-                              <m:r>
-                                <m:t>α</m:t>
-                              </m:r>
-                            </m:e>
-                          </m:d>
-                          <m:r>
-                            <m:rPr>
-                              <m:sty m:val="p"/>
-                            </m:rPr>
-                            <m:t>−</m:t>
-                          </m:r>
-                          <m:r>
-                            <m:t>1</m:t>
-                          </m:r>
-                        </m:sup>
-                      </m:sSubSup>
-                    </m:oMath>
-                  </m:oMathPara>
-                </a14:m>
-              </a:p>
-              <a:p>
-                <a:pPr lvl="0" indent="0" marL="0">
-                  <a:buNone/>
-                </a:pPr>
-                <a:r>
-                  <a:rPr/>
-                  <a:t>This defines the scaling of the energy spectrum: </a:t>
-                </a:r>
-                <a14:m>
-                  <m:oMath xmlns:m="http://schemas.openxmlformats.org/officeDocument/2006/math">
-                    <m:r>
-                      <m:t>α</m:t>
-                    </m:r>
-                    <m:r>
-                      <m:rPr>
-                        <m:sty m:val="p"/>
-                      </m:rPr>
-                      <m:t>=</m:t>
-                    </m:r>
-                    <m:r>
-                      <m:t>5</m:t>
-                    </m:r>
-                    <m:r>
-                      <m:rPr>
-                        <m:sty m:val="p"/>
-                      </m:rPr>
-                      <m:t>/</m:t>
-                    </m:r>
-                    <m:r>
-                      <m:t>2</m:t>
-                    </m:r>
-                  </m:oMath>
-                </a14:m>
-                <a:r>
-                  <a:rPr/>
-                  <a:t>.</a:t>
-                </a:r>
-              </a:p>
-            </p:txBody>
-          </p:sp>
-        </mc:Choice>
-      </mc:AlternateContent>
-    </p:spTree>
-  </p:cSld>
-</p:sld>
-</file>
-
-<file path=ppt/slides/slide9.xml><?xml version="1.0" encoding="utf-8"?>
-<p:sld xmlns:a="http://schemas.openxmlformats.org/drawingml/2006/main" xmlns:r="http://schemas.openxmlformats.org/officeDocument/2006/relationships" xmlns:p="http://schemas.openxmlformats.org/presentationml/2006/main">
-  <p:cSld>
-    <p:spTree>
-      <p:nvGrpSpPr>
-        <p:cNvPr id="1" name=""/>
-        <p:cNvGrpSpPr/>
-        <p:nvPr/>
-      </p:nvGrpSpPr>
-      <p:grpSpPr>
-        <a:xfrm>
-          <a:off x="0" y="0"/>
-          <a:ext cx="0" cy="0"/>
-          <a:chOff x="0" y="0"/>
-          <a:chExt cx="0" cy="0"/>
-        </a:xfrm>
-      </p:grpSpPr>
-      <p:sp>
-        <p:nvSpPr>
-          <p:cNvPr id="2" name="Title 1"/>
-          <p:cNvSpPr>
-            <a:spLocks noGrp="1"/>
-          </p:cNvSpPr>
-          <p:nvPr>
-            <p:ph type="title"/>
-          </p:nvPr>
-        </p:nvSpPr>
-        <p:spPr>
-          <a:xfrm>
-            <a:off x="457201" y="204787"/>
-            <a:ext cx="3008313" cy="871538"/>
-          </a:xfrm>
-        </p:spPr>
-        <p:txBody>
-          <a:bodyPr/>
-          <a:lstStyle/>
-          <a:p>
-            <a:pPr lvl="0" indent="0" marL="0">
-              <a:buNone/>
-            </a:pPr>
-            <a:r>
-              <a:rPr/>
-              <a:t>Spectrum of turbulence governed by the tearing instability</a:t>
-            </a:r>
-          </a:p>
-        </p:txBody>
-      </p:sp>
-      <mc:AlternateContent xmlns:mc="http://schemas.openxmlformats.org/markup-compatibility/2006">
-        <mc:Choice xmlns:a14="http://schemas.microsoft.com/office/drawing/2010/main" Requires="a14">
-          <p:sp>
-            <p:nvSpPr>
-              <p:cNvPr id="4" name="Text Placeholder 3"/>
-              <p:cNvSpPr>
-                <a:spLocks noGrp="1"/>
-              </p:cNvSpPr>
-              <p:nvPr>
-                <p:ph idx="2" sz="half" type="body"/>
-              </p:nvPr>
-            </p:nvSpPr>
-            <p:spPr/>
-            <p:txBody>
-              <a:bodyPr/>
-              <a:lstStyle/>
-              <a:p>
-                <a:pPr lvl="0" indent="0" marL="0">
-                  <a:buNone/>
-                </a:pPr>
-                <a:r>
-                  <a:rPr/>
-                  <a:t>Boldyrev and Loureiro (2018)</a:t>
-                </a:r>
-              </a:p>
-              <a:p>
-                <a:pPr lvl="0" indent="0" marL="0">
-                  <a:buNone/>
-                </a:pPr>
-                <a:r>
-                  <a:rPr/>
-                  <a:t>Replacing the nonlinear turnover time by the tearing time </a:t>
-                </a:r>
-                <a14:m>
-                  <m:oMath xmlns:m="http://schemas.openxmlformats.org/officeDocument/2006/math">
-                    <m:sSubSup>
-                      <m:e>
-                        <m:r>
-                          <m:t>b</m:t>
-                        </m:r>
-                      </m:e>
-                      <m:sub>
-                        <m:r>
-                          <m:t>a</m:t>
-                        </m:r>
-                      </m:sub>
-                      <m:sup>
-                        <m:r>
-                          <m:t>2</m:t>
-                        </m:r>
-                      </m:sup>
-                    </m:sSubSup>
-                    <m:r>
-                      <m:t>γ</m:t>
-                    </m:r>
-                    <m:r>
-                      <m:rPr>
-                        <m:sty m:val="p"/>
-                      </m:rPr>
-                      <m:t>=</m:t>
-                    </m:r>
-                    <m:r>
-                      <m:t>ε</m:t>
-                    </m:r>
-                  </m:oMath>
-                </a14:m>
-              </a:p>
-              <a:p>
-                <a:pPr lvl="0" indent="0" marL="0">
-                  <a:buNone/>
-                </a:pPr>
-                <a14:m>
-                  <m:oMathPara xmlns:m="http://schemas.openxmlformats.org/officeDocument/2006/math">
-                    <m:oMathParaPr>
-                      <m:jc m:val="center"/>
-                    </m:oMathParaPr>
-                    <m:oMath>
-                      <m:sSub>
-                        <m:e>
-                          <m:r>
-                            <m:t>b</m:t>
-                          </m:r>
-                        </m:e>
-                        <m:sub>
-                          <m:r>
-                            <m:t>a</m:t>
-                          </m:r>
-                        </m:sub>
-                      </m:sSub>
-                      <m:r>
-                        <m:rPr>
-                          <m:sty m:val="p"/>
-                        </m:rPr>
-                        <m:t>∼</m:t>
-                      </m:r>
-                      <m:sSup>
-                        <m:e>
-                          <m:r>
-                            <m:t>ε</m:t>
-                          </m:r>
-                        </m:e>
-                        <m:sup>
-                          <m:r>
-                            <m:t>2</m:t>
-                          </m:r>
-                          <m:r>
-                            <m:rPr>
-                              <m:sty m:val="p"/>
-                            </m:rPr>
-                            <m:t>/</m:t>
-                          </m:r>
-                          <m:r>
-                            <m:t>5</m:t>
-                          </m:r>
-                        </m:sup>
-                      </m:sSup>
-                      <m:sSup>
-                        <m:e>
-                          <m:r>
-                            <m:t>η</m:t>
-                          </m:r>
-                        </m:e>
-                        <m:sup>
-                          <m:r>
-                            <m:rPr>
-                              <m:sty m:val="p"/>
-                            </m:rPr>
-                            <m:t>−</m:t>
-                          </m:r>
-                          <m:r>
-                            <m:t>1</m:t>
-                          </m:r>
-                          <m:r>
-                            <m:rPr>
-                              <m:sty m:val="p"/>
-                            </m:rPr>
-                            <m:t>/</m:t>
-                          </m:r>
-                          <m:r>
-                            <m:t>5</m:t>
-                          </m:r>
-                        </m:sup>
-                      </m:sSup>
-                      <m:sSup>
-                        <m:e>
-                          <m:r>
-                            <m:t>a</m:t>
-                          </m:r>
-                        </m:e>
-                        <m:sup>
-                          <m:r>
-                            <m:t>3</m:t>
-                          </m:r>
-                          <m:r>
-                            <m:rPr>
-                              <m:sty m:val="p"/>
-                            </m:rPr>
-                            <m:t>/</m:t>
-                          </m:r>
-                          <m:r>
-                            <m:t>5</m:t>
-                          </m:r>
-                        </m:sup>
-                      </m:sSup>
-                    </m:oMath>
-                  </m:oMathPara>
-                </a14:m>
-              </a:p>
-              <a:p>
-                <a:pPr lvl="0" indent="0" marL="0">
-                  <a:buNone/>
-                </a:pPr>
-                <a:r>
-                  <a:rPr/>
-                  <a:t>and to the energy spectrum</a:t>
-                </a:r>
-              </a:p>
-              <a:p>
-                <a:pPr lvl="0" indent="0" marL="0">
-                  <a:buNone/>
-                </a:pPr>
-                <a14:m>
-                  <m:oMathPara xmlns:m="http://schemas.openxmlformats.org/officeDocument/2006/math">
-                    <m:oMathParaPr>
-                      <m:jc m:val="center"/>
-                    </m:oMathParaPr>
-                    <m:oMath>
-                      <m:sSub>
-                        <m:e>
-                          <m:r>
-                            <m:t>E</m:t>
-                          </m:r>
-                        </m:e>
-                        <m:sub>
-                          <m:r>
-                            <m:rPr>
-                              <m:sty m:val="p"/>
-                            </m:rPr>
-                            <m:t>t</m:t>
-                          </m:r>
-                          <m:r>
-                            <m:rPr>
-                              <m:sty m:val="p"/>
-                            </m:rPr>
-                            <m:t>a</m:t>
-                          </m:r>
-                          <m:r>
-                            <m:rPr>
-                              <m:sty m:val="p"/>
-                            </m:rPr>
-                            <m:t>n</m:t>
-                          </m:r>
-                          <m:r>
-                            <m:rPr>
-                              <m:sty m:val="p"/>
-                            </m:rPr>
-                            <m:t>h</m:t>
-                          </m:r>
-                        </m:sub>
-                      </m:sSub>
-                      <m:d>
-                        <m:dPr>
-                          <m:begChr m:val="("/>
-                          <m:endChr m:val=")"/>
-                          <m:sepChr m:val=""/>
-                          <m:grow/>
-                        </m:dPr>
-                        <m:e>
-                          <m:sSub>
-                            <m:e>
-                              <m:r>
-                                <m:t>k</m:t>
-                              </m:r>
-                            </m:e>
-                            <m:sub>
-                              <m:r>
-                                <m:rPr>
-                                  <m:sty m:val="p"/>
-                                </m:rPr>
-                                <m:t>⊥</m:t>
-                              </m:r>
-                            </m:sub>
-                          </m:sSub>
-                        </m:e>
-                      </m:d>
-                      <m:r>
-                        <m:rPr>
-                          <m:sty m:val="p"/>
-                        </m:rPr>
-                        <m:t>∝</m:t>
-                      </m:r>
-                      <m:sSubSup>
-                        <m:e>
-                          <m:r>
-                            <m:t>k</m:t>
-                          </m:r>
-                        </m:e>
-                        <m:sub>
-                          <m:r>
-                            <m:rPr>
-                              <m:sty m:val="p"/>
-                            </m:rPr>
-                            <m:t>⊥</m:t>
-                          </m:r>
-                        </m:sub>
-                        <m:sup>
-                          <m:r>
-                            <m:rPr>
-                              <m:sty m:val="p"/>
-                            </m:rPr>
-                            <m:t>−</m:t>
-                          </m:r>
-                          <m:r>
-                            <m:t>11</m:t>
-                          </m:r>
-                          <m:r>
-                            <m:rPr>
-                              <m:sty m:val="p"/>
-                            </m:rPr>
-                            <m:t>/</m:t>
-                          </m:r>
-                          <m:r>
-                            <m:t>5</m:t>
-                          </m:r>
-                        </m:sup>
-                      </m:sSubSup>
-                    </m:oMath>
-                  </m:oMathPara>
-                </a14:m>
-              </a:p>
-              <a:p>
-                <a:pPr lvl="0" indent="0" marL="0">
-                  <a:buNone/>
-                </a:pPr>
-                <a:r>
-                  <a:rPr/>
-                  <a:t>A similar estimate for the sine-shaped profile leads to somewhat different scaling exponent</a:t>
-                </a:r>
-              </a:p>
-              <a:p>
-                <a:pPr lvl="0" indent="0" marL="0">
-                  <a:buNone/>
-                </a:pPr>
-                <a14:m>
-                  <m:oMathPara xmlns:m="http://schemas.openxmlformats.org/officeDocument/2006/math">
-                    <m:oMathParaPr>
-                      <m:jc m:val="center"/>
-                    </m:oMathParaPr>
-                    <m:oMath>
-                      <m:sSub>
-                        <m:e>
-                          <m:r>
-                            <m:t>b</m:t>
-                          </m:r>
-                        </m:e>
-                        <m:sub>
-                          <m:r>
-                            <m:t>a</m:t>
-                          </m:r>
-                        </m:sub>
-                      </m:sSub>
-                      <m:r>
-                        <m:rPr>
-                          <m:sty m:val="p"/>
-                        </m:rPr>
-                        <m:t>∼</m:t>
-                      </m:r>
-                      <m:sSup>
-                        <m:e>
-                          <m:r>
-                            <m:t>ε</m:t>
-                          </m:r>
-                        </m:e>
-                        <m:sup>
-                          <m:r>
-                            <m:t>7</m:t>
-                          </m:r>
-                          <m:r>
-                            <m:rPr>
-                              <m:sty m:val="p"/>
-                            </m:rPr>
-                            <m:t>/</m:t>
-                          </m:r>
-                          <m:r>
-                            <m:t>18</m:t>
-                          </m:r>
-                        </m:sup>
-                      </m:sSup>
-                      <m:sSup>
-                        <m:e>
-                          <m:r>
-                            <m:t>η</m:t>
-                          </m:r>
-                        </m:e>
-                        <m:sup>
-                          <m:r>
-                            <m:rPr>
-                              <m:sty m:val="p"/>
-                            </m:rPr>
-                            <m:t>−</m:t>
-                          </m:r>
-                          <m:r>
-                            <m:t>1</m:t>
-                          </m:r>
-                          <m:r>
-                            <m:rPr>
-                              <m:sty m:val="p"/>
-                            </m:rPr>
-                            <m:t>/</m:t>
-                          </m:r>
-                          <m:r>
-                            <m:t>6</m:t>
-                          </m:r>
-                        </m:sup>
-                      </m:sSup>
-                      <m:sSup>
-                        <m:e>
-                          <m:r>
-                            <m:t>a</m:t>
-                          </m:r>
-                        </m:e>
-                        <m:sup>
-                          <m:r>
-                            <m:t>5</m:t>
-                          </m:r>
-                          <m:r>
-                            <m:rPr>
-                              <m:sty m:val="p"/>
-                            </m:rPr>
-                            <m:t>/</m:t>
-                          </m:r>
-                          <m:r>
-                            <m:t>9</m:t>
-                          </m:r>
-                        </m:sup>
-                      </m:sSup>
-                    </m:oMath>
-                  </m:oMathPara>
-                </a14:m>
-              </a:p>
-              <a:p>
-                <a:pPr lvl="0" indent="0" marL="0">
-                  <a:buNone/>
-                </a:pPr>
-                <a:r>
-                  <a:rPr/>
-                  <a:t>and</a:t>
-                </a:r>
-              </a:p>
-              <a:p>
-                <a:pPr lvl="0" indent="0" marL="0">
-                  <a:buNone/>
-                </a:pPr>
-                <a14:m>
-                  <m:oMathPara xmlns:m="http://schemas.openxmlformats.org/officeDocument/2006/math">
-                    <m:oMathParaPr>
-                      <m:jc m:val="center"/>
-                    </m:oMathParaPr>
-                    <m:oMath>
-                      <m:sSub>
-                        <m:e>
-                          <m:r>
-                            <m:t>E</m:t>
-                          </m:r>
-                        </m:e>
-                        <m:sub>
-                          <m:r>
-                            <m:rPr>
-                              <m:sty m:val="p"/>
-                            </m:rPr>
-                            <m:t>s</m:t>
-                          </m:r>
-                          <m:r>
-                            <m:rPr>
-                              <m:sty m:val="p"/>
-                            </m:rPr>
-                            <m:t>i</m:t>
-                          </m:r>
-                          <m:r>
-                            <m:rPr>
-                              <m:sty m:val="p"/>
-                            </m:rPr>
-                            <m:t>n</m:t>
-                          </m:r>
-                        </m:sub>
-                      </m:sSub>
-                      <m:d>
-                        <m:dPr>
-                          <m:begChr m:val="("/>
-                          <m:endChr m:val=")"/>
-                          <m:sepChr m:val=""/>
-                          <m:grow/>
-                        </m:dPr>
-                        <m:e>
-                          <m:sSub>
-                            <m:e>
-                              <m:r>
-                                <m:t>k</m:t>
-                              </m:r>
-                            </m:e>
-                            <m:sub>
-                              <m:r>
-                                <m:rPr>
-                                  <m:sty m:val="p"/>
-                                </m:rPr>
-                                <m:t>⊥</m:t>
-                              </m:r>
-                            </m:sub>
-                          </m:sSub>
-                        </m:e>
-                      </m:d>
-                      <m:r>
-                        <m:rPr>
-                          <m:sty m:val="p"/>
-                        </m:rPr>
-                        <m:t>∝</m:t>
-                      </m:r>
-                      <m:sSubSup>
-                        <m:e>
-                          <m:r>
-                            <m:t>k</m:t>
-                          </m:r>
-                        </m:e>
-                        <m:sub>
-                          <m:r>
-                            <m:rPr>
-                              <m:sty m:val="p"/>
-                            </m:rPr>
-                            <m:t>⊥</m:t>
-                          </m:r>
-                        </m:sub>
-                        <m:sup>
-                          <m:r>
-                            <m:rPr>
-                              <m:sty m:val="p"/>
-                            </m:rPr>
-                            <m:t>−</m:t>
-                          </m:r>
-                          <m:r>
-                            <m:t>19</m:t>
-                          </m:r>
-                          <m:r>
-                            <m:rPr>
-                              <m:sty m:val="p"/>
-                            </m:rPr>
-                            <m:t>/</m:t>
-                          </m:r>
-                          <m:r>
-                            <m:t>9</m:t>
-                          </m:r>
-                        </m:sup>
-                      </m:sSubSup>
-                    </m:oMath>
-                  </m:oMathPara>
-                </a14:m>
-              </a:p>
-            </p:txBody>
-          </p:sp>
-        </mc:Choice>
-      </mc:AlternateContent>
-      <p:pic>
-        <p:nvPicPr>
-          <p:cNvPr descr="20250319134448.png" id="0" name="Picture 1"/>
-          <p:cNvPicPr>
-            <a:picLocks noGrp="1" noChangeAspect="1"/>
-          </p:cNvPicPr>
-          <p:nvPr/>
-        </p:nvPicPr>
-        <p:blipFill>
-          <a:blip r:embed="rId2"/>
-          <a:stretch>
-            <a:fillRect/>
-          </a:stretch>
-        </p:blipFill>
-        <p:spPr bwMode="auto">
-          <a:xfrm>
-            <a:off x="4699000" y="203200"/>
-            <a:ext cx="2844800" cy="3873500"/>
-          </a:xfrm>
-          <a:prstGeom prst="rect">
-            <a:avLst/>
-          </a:prstGeom>
-          <a:noFill/>
-          <a:ln w="9525">
-            <a:noFill/>
-            <a:headEnd/>
-            <a:tailEnd/>
-          </a:ln>
-        </p:spPr>
-      </p:pic>
-      <mc:AlternateContent xmlns:mc="http://schemas.openxmlformats.org/markup-compatibility/2006">
-        <mc:Choice xmlns:a14="http://schemas.microsoft.com/office/drawing/2010/main" Requires="a14">
-          <p:sp>
-            <p:nvSpPr>
-              <p:cNvPr id="1" name="TextBox 3"/>
-              <p:cNvSpPr txBox="1"/>
-              <p:nvPr/>
-            </p:nvSpPr>
-            <p:spPr>
-              <a:xfrm>
-                <a:off x="3568700" y="4076700"/>
-                <a:ext cx="5105400" cy="508000"/>
-              </a:xfrm>
-              <a:prstGeom prst="rect">
-                <a:avLst/>
-              </a:prstGeom>
-              <a:noFill/>
-            </p:spPr>
-            <p:txBody>
-              <a:bodyPr/>
-              <a:lstStyle/>
-              <a:p>
-                <a:pPr lvl="0" indent="0" marL="0" algn="ctr">
-                  <a:buNone/>
-                </a:pPr>
-                <a:r>
-                  <a:rPr/>
-                  <a:t>Sketch of the tearing-mode growth rate as a function of (</a:t>
-                </a:r>
-                <a14:m>
-                  <m:oMath xmlns:m="http://schemas.openxmlformats.org/officeDocument/2006/math">
-                    <m:sSub>
-                      <m:e>
-                        <m:r>
-                          <m:t>k</m:t>
-                        </m:r>
-                      </m:e>
-                      <m:sub>
-                        <m:r>
-                          <m:t>0</m:t>
-                        </m:r>
-                      </m:sub>
-                    </m:sSub>
-                    <m:r>
-                      <m:t>a</m:t>
-                    </m:r>
-                  </m:oMath>
-                </a14:m>
-                <a:r>
-                  <a:rPr/>
-                  <a:t>)</a:t>
-                </a:r>
               </a:p>
             </p:txBody>
           </p:sp>
